--- a/MessageBus.pptx
+++ b/MessageBus.pptx
@@ -5,7 +5,7 @@
     <p:sldMasterId id="2147483960" r:id="rId1"/>
   </p:sldMasterIdLst>
   <p:notesMasterIdLst>
-    <p:notesMasterId r:id="rId16"/>
+    <p:notesMasterId r:id="rId18"/>
   </p:notesMasterIdLst>
   <p:sldIdLst>
     <p:sldId id="256" r:id="rId2"/>
@@ -22,6 +22,8 @@
     <p:sldId id="268" r:id="rId13"/>
     <p:sldId id="269" r:id="rId14"/>
     <p:sldId id="270" r:id="rId15"/>
+    <p:sldId id="271" r:id="rId16"/>
+    <p:sldId id="272" r:id="rId17"/>
   </p:sldIdLst>
   <p:sldSz cx="9144000" cy="6858000" type="screen4x3"/>
   <p:notesSz cx="6858000" cy="9144000"/>
@@ -26864,6 +26866,893 @@
 </p:sld>
 </file>
 
+<file path=ppt/slides/slide15.xml><?xml version="1.0" encoding="utf-8"?>
+<p:sld xmlns:a="http://schemas.openxmlformats.org/drawingml/2006/main" xmlns:r="http://schemas.openxmlformats.org/officeDocument/2006/relationships" xmlns:p="http://schemas.openxmlformats.org/presentationml/2006/main">
+  <p:cSld>
+    <p:spTree>
+      <p:nvGrpSpPr>
+        <p:cNvPr id="1" name=""/>
+        <p:cNvGrpSpPr/>
+        <p:nvPr/>
+      </p:nvGrpSpPr>
+      <p:grpSpPr>
+        <a:xfrm>
+          <a:off x="0" y="0"/>
+          <a:ext cx="0" cy="0"/>
+          <a:chOff x="0" y="0"/>
+          <a:chExt cx="0" cy="0"/>
+        </a:xfrm>
+      </p:grpSpPr>
+      <p:sp>
+        <p:nvSpPr>
+          <p:cNvPr id="2" name="Title 1"/>
+          <p:cNvSpPr>
+            <a:spLocks noGrp="1"/>
+          </p:cNvSpPr>
+          <p:nvPr>
+            <p:ph type="title"/>
+          </p:nvPr>
+        </p:nvSpPr>
+        <p:spPr/>
+        <p:txBody>
+          <a:bodyPr>
+            <a:normAutofit/>
+          </a:bodyPr>
+          <a:lstStyle/>
+          <a:p>
+            <a:r>
+              <a:rPr lang="en-US" dirty="0" smtClean="0"/>
+              <a:t>USAGE:</a:t>
+            </a:r>
+            <a:endParaRPr lang="en-US" dirty="0"/>
+          </a:p>
+        </p:txBody>
+      </p:sp>
+      <p:sp>
+        <p:nvSpPr>
+          <p:cNvPr id="9" name="Rectangle 8"/>
+          <p:cNvSpPr/>
+          <p:nvPr/>
+        </p:nvSpPr>
+        <p:spPr>
+          <a:xfrm>
+            <a:off x="457200" y="1446052"/>
+            <a:ext cx="8303701" cy="5216811"/>
+          </a:xfrm>
+          <a:prstGeom prst="rect">
+            <a:avLst/>
+          </a:prstGeom>
+        </p:spPr>
+        <p:style>
+          <a:lnRef idx="0">
+            <a:schemeClr val="lt1">
+              <a:hueOff val="0"/>
+              <a:satOff val="0"/>
+              <a:lumOff val="0"/>
+              <a:alphaOff val="0"/>
+            </a:schemeClr>
+          </a:lnRef>
+          <a:fillRef idx="3">
+            <a:schemeClr val="accent1">
+              <a:hueOff val="0"/>
+              <a:satOff val="0"/>
+              <a:lumOff val="0"/>
+              <a:alphaOff val="0"/>
+            </a:schemeClr>
+          </a:fillRef>
+          <a:effectRef idx="2">
+            <a:schemeClr val="accent1">
+              <a:hueOff val="0"/>
+              <a:satOff val="0"/>
+              <a:lumOff val="0"/>
+              <a:alphaOff val="0"/>
+            </a:schemeClr>
+          </a:effectRef>
+          <a:fontRef idx="minor">
+            <a:schemeClr val="lt1"/>
+          </a:fontRef>
+        </p:style>
+        <p:txBody>
+          <a:bodyPr wrap="square">
+            <a:spAutoFit/>
+          </a:bodyPr>
+          <a:lstStyle/>
+          <a:p>
+            <a:r>
+              <a:rPr lang="en-US" sz="900" dirty="0" err="1"/>
+              <a:t>MessageBus</a:t>
+            </a:r>
+            <a:r>
+              <a:rPr lang="en-US" sz="900" dirty="0"/>
+              <a:t> </a:t>
+            </a:r>
+            <a:r>
+              <a:rPr lang="en-US" sz="900" dirty="0" err="1"/>
+              <a:t>global_message_buss</a:t>
+            </a:r>
+            <a:r>
+              <a:rPr lang="en-US" sz="900" dirty="0"/>
+              <a:t>;</a:t>
+            </a:r>
+          </a:p>
+          <a:p>
+            <a:endParaRPr lang="en-US" sz="900" dirty="0"/>
+          </a:p>
+          <a:p>
+            <a:r>
+              <a:rPr lang="en-US" sz="900" dirty="0" err="1"/>
+              <a:t>struct</a:t>
+            </a:r>
+            <a:r>
+              <a:rPr lang="en-US" sz="900" dirty="0"/>
+              <a:t> </a:t>
+            </a:r>
+            <a:r>
+              <a:rPr lang="en-US" sz="900" dirty="0" err="1"/>
+              <a:t>MyEvent</a:t>
+            </a:r>
+            <a:endParaRPr lang="en-US" sz="900" dirty="0"/>
+          </a:p>
+          <a:p>
+            <a:r>
+              <a:rPr lang="en-US" sz="900" dirty="0"/>
+              <a:t>{</a:t>
+            </a:r>
+          </a:p>
+          <a:p>
+            <a:r>
+              <a:rPr lang="en-US" sz="900" dirty="0"/>
+              <a:t>    </a:t>
+            </a:r>
+            <a:r>
+              <a:rPr lang="en-US" sz="900" dirty="0" err="1"/>
+              <a:t>int</a:t>
+            </a:r>
+            <a:r>
+              <a:rPr lang="en-US" sz="900" dirty="0"/>
+              <a:t> </a:t>
+            </a:r>
+            <a:r>
+              <a:rPr lang="en-US" sz="900" dirty="0" err="1"/>
+              <a:t>myProperty</a:t>
+            </a:r>
+            <a:r>
+              <a:rPr lang="en-US" sz="900" dirty="0"/>
+              <a:t>;</a:t>
+            </a:r>
+          </a:p>
+          <a:p>
+            <a:r>
+              <a:rPr lang="en-US" sz="900" dirty="0"/>
+              <a:t>};</a:t>
+            </a:r>
+          </a:p>
+          <a:p>
+            <a:endParaRPr lang="en-US" sz="900" dirty="0"/>
+          </a:p>
+          <a:p>
+            <a:r>
+              <a:rPr lang="en-US" sz="900" dirty="0"/>
+              <a:t>class </a:t>
+            </a:r>
+            <a:r>
+              <a:rPr lang="en-US" sz="900" dirty="0" err="1"/>
+              <a:t>MyListener</a:t>
+            </a:r>
+            <a:endParaRPr lang="en-US" sz="900" dirty="0"/>
+          </a:p>
+          <a:p>
+            <a:r>
+              <a:rPr lang="en-US" sz="900" dirty="0"/>
+              <a:t>{</a:t>
+            </a:r>
+          </a:p>
+          <a:p>
+            <a:r>
+              <a:rPr lang="en-US" sz="900" dirty="0"/>
+              <a:t>    public:</a:t>
+            </a:r>
+          </a:p>
+          <a:p>
+            <a:r>
+              <a:rPr lang="es-ES_tradnl" sz="900" dirty="0"/>
+              <a:t>        </a:t>
+            </a:r>
+            <a:r>
+              <a:rPr lang="es-ES_tradnl" sz="900" dirty="0" err="1"/>
+              <a:t>MyListener</a:t>
+            </a:r>
+            <a:r>
+              <a:rPr lang="es-ES_tradnl" sz="900" dirty="0"/>
+              <a:t>()</a:t>
+            </a:r>
+          </a:p>
+          <a:p>
+            <a:r>
+              <a:rPr lang="es-ES_tradnl" sz="900" dirty="0"/>
+              <a:t>            : </a:t>
+            </a:r>
+            <a:r>
+              <a:rPr lang="es-ES_tradnl" sz="900" dirty="0" err="1"/>
+              <a:t>myConnection</a:t>
+            </a:r>
+            <a:r>
+              <a:rPr lang="es-ES_tradnl" sz="900" dirty="0"/>
+              <a:t>(</a:t>
+            </a:r>
+            <a:r>
+              <a:rPr lang="es-ES_tradnl" sz="900" dirty="0" err="1"/>
+              <a:t>global_message_buss.RegisterObserver</a:t>
+            </a:r>
+            <a:r>
+              <a:rPr lang="es-ES_tradnl" sz="900" dirty="0"/>
+              <a:t>(</a:t>
+            </a:r>
+            <a:r>
+              <a:rPr lang="es-ES_tradnl" sz="900" dirty="0" err="1"/>
+              <a:t>this</a:t>
+            </a:r>
+            <a:r>
+              <a:rPr lang="es-ES_tradnl" sz="900" dirty="0"/>
+              <a:t>, &amp;</a:t>
+            </a:r>
+            <a:r>
+              <a:rPr lang="es-ES_tradnl" sz="900" dirty="0" err="1"/>
+              <a:t>MyListener</a:t>
+            </a:r>
+            <a:r>
+              <a:rPr lang="es-ES_tradnl" sz="900" dirty="0"/>
+              <a:t>::</a:t>
+            </a:r>
+            <a:r>
+              <a:rPr lang="es-ES_tradnl" sz="900" dirty="0" err="1"/>
+              <a:t>OnMyEvent</a:t>
+            </a:r>
+            <a:r>
+              <a:rPr lang="es-ES_tradnl" sz="900" dirty="0"/>
+              <a:t>))</a:t>
+            </a:r>
+          </a:p>
+          <a:p>
+            <a:r>
+              <a:rPr lang="es-ES_tradnl" sz="900" dirty="0"/>
+              <a:t>        {</a:t>
+            </a:r>
+          </a:p>
+          <a:p>
+            <a:r>
+              <a:rPr lang="es-ES_tradnl" sz="900" dirty="0"/>
+              <a:t>        }</a:t>
+            </a:r>
+          </a:p>
+          <a:p>
+            <a:endParaRPr lang="es-ES_tradnl" sz="900" dirty="0"/>
+          </a:p>
+          <a:p>
+            <a:r>
+              <a:rPr lang="es-ES_tradnl" sz="900" dirty="0"/>
+              <a:t>    </a:t>
+            </a:r>
+            <a:r>
+              <a:rPr lang="es-ES_tradnl" sz="900" dirty="0" err="1"/>
+              <a:t>private</a:t>
+            </a:r>
+            <a:r>
+              <a:rPr lang="es-ES_tradnl" sz="900" dirty="0"/>
+              <a:t>:</a:t>
+            </a:r>
+          </a:p>
+          <a:p>
+            <a:r>
+              <a:rPr lang="es-ES_tradnl" sz="900" dirty="0"/>
+              <a:t>        </a:t>
+            </a:r>
+            <a:r>
+              <a:rPr lang="es-ES_tradnl" sz="900" dirty="0" err="1"/>
+              <a:t>void</a:t>
+            </a:r>
+            <a:r>
+              <a:rPr lang="es-ES_tradnl" sz="900" dirty="0"/>
+              <a:t> </a:t>
+            </a:r>
+            <a:r>
+              <a:rPr lang="es-ES_tradnl" sz="900" dirty="0" err="1"/>
+              <a:t>OnMyEvent</a:t>
+            </a:r>
+            <a:r>
+              <a:rPr lang="es-ES_tradnl" sz="900" dirty="0"/>
+              <a:t>(</a:t>
+            </a:r>
+            <a:r>
+              <a:rPr lang="es-ES_tradnl" sz="900" dirty="0" err="1"/>
+              <a:t>const</a:t>
+            </a:r>
+            <a:r>
+              <a:rPr lang="es-ES_tradnl" sz="900" dirty="0"/>
+              <a:t> </a:t>
+            </a:r>
+            <a:r>
+              <a:rPr lang="es-ES_tradnl" sz="900" dirty="0" err="1"/>
+              <a:t>MyEvent</a:t>
+            </a:r>
+            <a:r>
+              <a:rPr lang="es-ES_tradnl" sz="900" dirty="0"/>
+              <a:t>&amp; </a:t>
+            </a:r>
+            <a:r>
+              <a:rPr lang="es-ES_tradnl" sz="900" dirty="0" err="1"/>
+              <a:t>event</a:t>
+            </a:r>
+            <a:r>
+              <a:rPr lang="es-ES_tradnl" sz="900" dirty="0"/>
+              <a:t>)</a:t>
+            </a:r>
+          </a:p>
+          <a:p>
+            <a:r>
+              <a:rPr lang="es-ES_tradnl" sz="900" dirty="0"/>
+              <a:t>        {</a:t>
+            </a:r>
+          </a:p>
+          <a:p>
+            <a:r>
+              <a:rPr lang="es-ES_tradnl" sz="900" dirty="0"/>
+              <a:t>            </a:t>
+            </a:r>
+            <a:r>
+              <a:rPr lang="es-ES_tradnl" sz="900" dirty="0" err="1"/>
+              <a:t>std</a:t>
+            </a:r>
+            <a:r>
+              <a:rPr lang="es-ES_tradnl" sz="900" dirty="0"/>
+              <a:t>::</a:t>
+            </a:r>
+            <a:r>
+              <a:rPr lang="es-ES_tradnl" sz="900" dirty="0" err="1"/>
+              <a:t>cout</a:t>
+            </a:r>
+            <a:r>
+              <a:rPr lang="es-ES_tradnl" sz="900" dirty="0"/>
+              <a:t>&lt;&lt;"</a:t>
+            </a:r>
+            <a:r>
+              <a:rPr lang="es-ES_tradnl" sz="900" dirty="0" err="1"/>
+              <a:t>MyEvent</a:t>
+            </a:r>
+            <a:r>
+              <a:rPr lang="es-ES_tradnl" sz="900" dirty="0"/>
+              <a:t>: "&lt;&lt;</a:t>
+            </a:r>
+            <a:r>
+              <a:rPr lang="es-ES_tradnl" sz="900" dirty="0" err="1"/>
+              <a:t>event.myProperty</a:t>
+            </a:r>
+            <a:r>
+              <a:rPr lang="es-ES_tradnl" sz="900" dirty="0"/>
+              <a:t>&lt;&lt;</a:t>
+            </a:r>
+            <a:r>
+              <a:rPr lang="es-ES_tradnl" sz="900" dirty="0" err="1"/>
+              <a:t>std</a:t>
+            </a:r>
+            <a:r>
+              <a:rPr lang="es-ES_tradnl" sz="900" dirty="0"/>
+              <a:t>::</a:t>
+            </a:r>
+            <a:r>
+              <a:rPr lang="es-ES_tradnl" sz="900" dirty="0" err="1"/>
+              <a:t>endl</a:t>
+            </a:r>
+            <a:r>
+              <a:rPr lang="es-ES_tradnl" sz="900" dirty="0"/>
+              <a:t>;</a:t>
+            </a:r>
+          </a:p>
+          <a:p>
+            <a:r>
+              <a:rPr lang="es-ES_tradnl" sz="900" dirty="0"/>
+              <a:t>        }</a:t>
+            </a:r>
+          </a:p>
+          <a:p>
+            <a:endParaRPr lang="es-ES_tradnl" sz="900" dirty="0"/>
+          </a:p>
+          <a:p>
+            <a:r>
+              <a:rPr lang="es-ES_tradnl" sz="900" dirty="0"/>
+              <a:t>    </a:t>
+            </a:r>
+            <a:r>
+              <a:rPr lang="es-ES_tradnl" sz="900" dirty="0" err="1"/>
+              <a:t>private</a:t>
+            </a:r>
+            <a:r>
+              <a:rPr lang="es-ES_tradnl" sz="900" dirty="0"/>
+              <a:t>:</a:t>
+            </a:r>
+          </a:p>
+          <a:p>
+            <a:r>
+              <a:rPr lang="es-ES_tradnl" sz="900" dirty="0"/>
+              <a:t>        </a:t>
+            </a:r>
+            <a:r>
+              <a:rPr lang="es-ES_tradnl" sz="900" dirty="0" err="1"/>
+              <a:t>Connection</a:t>
+            </a:r>
+            <a:r>
+              <a:rPr lang="es-ES_tradnl" sz="900" dirty="0"/>
+              <a:t> </a:t>
+            </a:r>
+            <a:r>
+              <a:rPr lang="es-ES_tradnl" sz="900" dirty="0" err="1"/>
+              <a:t>myConnection</a:t>
+            </a:r>
+            <a:r>
+              <a:rPr lang="es-ES_tradnl" sz="900" dirty="0"/>
+              <a:t>;</a:t>
+            </a:r>
+          </a:p>
+          <a:p>
+            <a:r>
+              <a:rPr lang="es-ES_tradnl" sz="900" dirty="0"/>
+              <a:t>};</a:t>
+            </a:r>
+          </a:p>
+          <a:p>
+            <a:endParaRPr lang="es-ES_tradnl" sz="900" dirty="0"/>
+          </a:p>
+          <a:p>
+            <a:r>
+              <a:rPr lang="es-ES_tradnl" sz="900" dirty="0" err="1"/>
+              <a:t>void</a:t>
+            </a:r>
+            <a:r>
+              <a:rPr lang="es-ES_tradnl" sz="900" dirty="0"/>
+              <a:t> </a:t>
+            </a:r>
+            <a:r>
+              <a:rPr lang="es-ES_tradnl" sz="900" dirty="0" err="1"/>
+              <a:t>Test_MessageBus</a:t>
+            </a:r>
+            <a:r>
+              <a:rPr lang="es-ES_tradnl" sz="900" dirty="0"/>
+              <a:t>()</a:t>
+            </a:r>
+          </a:p>
+          <a:p>
+            <a:r>
+              <a:rPr lang="es-ES_tradnl" sz="900" dirty="0"/>
+              <a:t>{</a:t>
+            </a:r>
+          </a:p>
+          <a:p>
+            <a:r>
+              <a:rPr lang="es-ES_tradnl" sz="900" dirty="0"/>
+              <a:t>    {</a:t>
+            </a:r>
+          </a:p>
+          <a:p>
+            <a:r>
+              <a:rPr lang="es-ES_tradnl" sz="900" dirty="0"/>
+              <a:t>        </a:t>
+            </a:r>
+            <a:r>
+              <a:rPr lang="es-ES_tradnl" sz="900" dirty="0" err="1"/>
+              <a:t>MyListener</a:t>
+            </a:r>
+            <a:r>
+              <a:rPr lang="es-ES_tradnl" sz="900" dirty="0"/>
+              <a:t> </a:t>
+            </a:r>
+            <a:r>
+              <a:rPr lang="es-ES_tradnl" sz="900" dirty="0" err="1"/>
+              <a:t>listener</a:t>
+            </a:r>
+            <a:r>
+              <a:rPr lang="es-ES_tradnl" sz="900" dirty="0"/>
+              <a:t>;</a:t>
+            </a:r>
+          </a:p>
+          <a:p>
+            <a:endParaRPr lang="es-ES_tradnl" sz="900" dirty="0"/>
+          </a:p>
+          <a:p>
+            <a:r>
+              <a:rPr lang="es-ES_tradnl" sz="900" dirty="0"/>
+              <a:t>        </a:t>
+            </a:r>
+            <a:r>
+              <a:rPr lang="es-ES_tradnl" sz="900" dirty="0" err="1"/>
+              <a:t>global_message_buss.PostMessage</a:t>
+            </a:r>
+            <a:r>
+              <a:rPr lang="es-ES_tradnl" sz="900" dirty="0"/>
+              <a:t>(</a:t>
+            </a:r>
+            <a:r>
+              <a:rPr lang="es-ES_tradnl" sz="900" dirty="0" err="1"/>
+              <a:t>MyEvent</a:t>
+            </a:r>
+            <a:r>
+              <a:rPr lang="es-ES_tradnl" sz="900" dirty="0"/>
+              <a:t>{1});</a:t>
+            </a:r>
+          </a:p>
+          <a:p>
+            <a:r>
+              <a:rPr lang="es-ES_tradnl" sz="900" dirty="0"/>
+              <a:t>        </a:t>
+            </a:r>
+            <a:r>
+              <a:rPr lang="es-ES_tradnl" sz="900" dirty="0" err="1"/>
+              <a:t>global_message_buss.PostMessage</a:t>
+            </a:r>
+            <a:r>
+              <a:rPr lang="es-ES_tradnl" sz="900" dirty="0"/>
+              <a:t>(</a:t>
+            </a:r>
+            <a:r>
+              <a:rPr lang="es-ES_tradnl" sz="900" dirty="0" err="1"/>
+              <a:t>MyEvent</a:t>
+            </a:r>
+            <a:r>
+              <a:rPr lang="es-ES_tradnl" sz="900" dirty="0"/>
+              <a:t>{2});</a:t>
+            </a:r>
+          </a:p>
+          <a:p>
+            <a:r>
+              <a:rPr lang="es-ES_tradnl" sz="900" dirty="0"/>
+              <a:t>        </a:t>
+            </a:r>
+            <a:r>
+              <a:rPr lang="es-ES_tradnl" sz="900" dirty="0" err="1"/>
+              <a:t>global_message_buss.PostMessage</a:t>
+            </a:r>
+            <a:r>
+              <a:rPr lang="es-ES_tradnl" sz="900" dirty="0"/>
+              <a:t>(</a:t>
+            </a:r>
+            <a:r>
+              <a:rPr lang="es-ES_tradnl" sz="900" dirty="0" err="1"/>
+              <a:t>MyEvent</a:t>
+            </a:r>
+            <a:r>
+              <a:rPr lang="es-ES_tradnl" sz="900" dirty="0"/>
+              <a:t>{3});</a:t>
+            </a:r>
+          </a:p>
+          <a:p>
+            <a:r>
+              <a:rPr lang="es-ES_tradnl" sz="900" dirty="0"/>
+              <a:t>    }</a:t>
+            </a:r>
+          </a:p>
+          <a:p>
+            <a:endParaRPr lang="es-ES_tradnl" sz="900" dirty="0"/>
+          </a:p>
+          <a:p>
+            <a:r>
+              <a:rPr lang="es-ES_tradnl" sz="900" dirty="0"/>
+              <a:t>    </a:t>
+            </a:r>
+            <a:r>
+              <a:rPr lang="es-ES_tradnl" sz="900" dirty="0" err="1"/>
+              <a:t>global_message_buss.PostMessage</a:t>
+            </a:r>
+            <a:r>
+              <a:rPr lang="es-ES_tradnl" sz="900" dirty="0"/>
+              <a:t>(</a:t>
+            </a:r>
+            <a:r>
+              <a:rPr lang="es-ES_tradnl" sz="900" dirty="0" err="1"/>
+              <a:t>MyEvent</a:t>
+            </a:r>
+            <a:r>
+              <a:rPr lang="es-ES_tradnl" sz="900" dirty="0"/>
+              <a:t>{4});</a:t>
+            </a:r>
+          </a:p>
+          <a:p>
+            <a:r>
+              <a:rPr lang="es-ES_tradnl" sz="900" dirty="0"/>
+              <a:t>}</a:t>
+            </a:r>
+          </a:p>
+        </p:txBody>
+      </p:sp>
+    </p:spTree>
+    <p:extLst>
+      <p:ext uri="{BB962C8B-B14F-4D97-AF65-F5344CB8AC3E}">
+        <p14:creationId xmlns:p14="http://schemas.microsoft.com/office/powerpoint/2010/main" val="564418435"/>
+      </p:ext>
+    </p:extLst>
+  </p:cSld>
+  <p:clrMapOvr>
+    <a:masterClrMapping/>
+  </p:clrMapOvr>
+</p:sld>
+</file>
+
+<file path=ppt/slides/slide16.xml><?xml version="1.0" encoding="utf-8"?>
+<p:sld xmlns:a="http://schemas.openxmlformats.org/drawingml/2006/main" xmlns:r="http://schemas.openxmlformats.org/officeDocument/2006/relationships" xmlns:p="http://schemas.openxmlformats.org/presentationml/2006/main">
+  <p:cSld>
+    <p:spTree>
+      <p:nvGrpSpPr>
+        <p:cNvPr id="1" name=""/>
+        <p:cNvGrpSpPr/>
+        <p:nvPr/>
+      </p:nvGrpSpPr>
+      <p:grpSpPr>
+        <a:xfrm>
+          <a:off x="0" y="0"/>
+          <a:ext cx="0" cy="0"/>
+          <a:chOff x="0" y="0"/>
+          <a:chExt cx="0" cy="0"/>
+        </a:xfrm>
+      </p:grpSpPr>
+      <p:sp>
+        <p:nvSpPr>
+          <p:cNvPr id="2" name="Title 1"/>
+          <p:cNvSpPr>
+            <a:spLocks noGrp="1"/>
+          </p:cNvSpPr>
+          <p:nvPr>
+            <p:ph type="title"/>
+          </p:nvPr>
+        </p:nvSpPr>
+        <p:spPr/>
+        <p:txBody>
+          <a:bodyPr>
+            <a:normAutofit/>
+          </a:bodyPr>
+          <a:lstStyle/>
+          <a:p>
+            <a:r>
+              <a:rPr lang="en-US" dirty="0" smtClean="0"/>
+              <a:t>TIPS:</a:t>
+            </a:r>
+            <a:endParaRPr lang="en-US" dirty="0"/>
+          </a:p>
+        </p:txBody>
+      </p:sp>
+      <p:sp>
+        <p:nvSpPr>
+          <p:cNvPr id="7" name="Subtitle 2"/>
+          <p:cNvSpPr txBox="1">
+            <a:spLocks/>
+          </p:cNvSpPr>
+          <p:nvPr/>
+        </p:nvSpPr>
+        <p:spPr>
+          <a:xfrm>
+            <a:off x="815686" y="1524001"/>
+            <a:ext cx="7871114" cy="5046902"/>
+          </a:xfrm>
+          <a:prstGeom prst="rect">
+            <a:avLst/>
+          </a:prstGeom>
+        </p:spPr>
+        <p:txBody>
+          <a:bodyPr vert="horz" lIns="91440" tIns="45720" rIns="91440" bIns="45720" rtlCol="0">
+            <a:normAutofit/>
+          </a:bodyPr>
+          <a:lstStyle>
+            <a:lvl1pPr marL="182880" indent="-182880" algn="l" defTabSz="914400" rtl="0" eaLnBrk="1" latinLnBrk="0" hangingPunct="1">
+              <a:spcBef>
+                <a:spcPct val="20000"/>
+              </a:spcBef>
+              <a:buClr>
+                <a:schemeClr val="accent1"/>
+              </a:buClr>
+              <a:buSzPct val="85000"/>
+              <a:buFont typeface="Arial" pitchFamily="34" charset="0"/>
+              <a:buChar char="•"/>
+              <a:defRPr sz="2400" kern="1200">
+                <a:solidFill>
+                  <a:schemeClr val="tx1"/>
+                </a:solidFill>
+                <a:latin typeface="+mn-lt"/>
+                <a:ea typeface="+mn-ea"/>
+                <a:cs typeface="+mn-cs"/>
+              </a:defRPr>
+            </a:lvl1pPr>
+            <a:lvl2pPr marL="457200" indent="-182880" algn="l" defTabSz="914400" rtl="0" eaLnBrk="1" latinLnBrk="0" hangingPunct="1">
+              <a:spcBef>
+                <a:spcPct val="20000"/>
+              </a:spcBef>
+              <a:buClr>
+                <a:schemeClr val="accent1"/>
+              </a:buClr>
+              <a:buSzPct val="85000"/>
+              <a:buFont typeface="Arial" pitchFamily="34" charset="0"/>
+              <a:buChar char="•"/>
+              <a:defRPr sz="2000" kern="1200">
+                <a:solidFill>
+                  <a:schemeClr val="tx1"/>
+                </a:solidFill>
+                <a:latin typeface="+mn-lt"/>
+                <a:ea typeface="+mn-ea"/>
+                <a:cs typeface="+mn-cs"/>
+              </a:defRPr>
+            </a:lvl2pPr>
+            <a:lvl3pPr marL="731520" indent="-182880" algn="l" defTabSz="914400" rtl="0" eaLnBrk="1" latinLnBrk="0" hangingPunct="1">
+              <a:spcBef>
+                <a:spcPct val="20000"/>
+              </a:spcBef>
+              <a:buClr>
+                <a:schemeClr val="accent1"/>
+              </a:buClr>
+              <a:buSzPct val="90000"/>
+              <a:buFont typeface="Arial" pitchFamily="34" charset="0"/>
+              <a:buChar char="•"/>
+              <a:defRPr sz="1800" kern="1200">
+                <a:solidFill>
+                  <a:schemeClr val="tx1"/>
+                </a:solidFill>
+                <a:latin typeface="+mn-lt"/>
+                <a:ea typeface="+mn-ea"/>
+                <a:cs typeface="+mn-cs"/>
+              </a:defRPr>
+            </a:lvl3pPr>
+            <a:lvl4pPr marL="1005840" indent="-182880" algn="l" defTabSz="914400" rtl="0" eaLnBrk="1" latinLnBrk="0" hangingPunct="1">
+              <a:spcBef>
+                <a:spcPct val="20000"/>
+              </a:spcBef>
+              <a:buClr>
+                <a:schemeClr val="accent1"/>
+              </a:buClr>
+              <a:buFont typeface="Arial" pitchFamily="34" charset="0"/>
+              <a:buChar char="•"/>
+              <a:defRPr sz="1600" kern="1200">
+                <a:solidFill>
+                  <a:schemeClr val="tx1"/>
+                </a:solidFill>
+                <a:latin typeface="+mn-lt"/>
+                <a:ea typeface="+mn-ea"/>
+                <a:cs typeface="+mn-cs"/>
+              </a:defRPr>
+            </a:lvl4pPr>
+            <a:lvl5pPr marL="1188720" indent="-137160" algn="l" defTabSz="914400" rtl="0" eaLnBrk="1" latinLnBrk="0" hangingPunct="1">
+              <a:spcBef>
+                <a:spcPct val="20000"/>
+              </a:spcBef>
+              <a:buClr>
+                <a:schemeClr val="accent1"/>
+              </a:buClr>
+              <a:buSzPct val="100000"/>
+              <a:buFont typeface="Arial" pitchFamily="34" charset="0"/>
+              <a:buChar char="•"/>
+              <a:defRPr sz="1400" kern="1200" baseline="0">
+                <a:solidFill>
+                  <a:schemeClr val="tx1"/>
+                </a:solidFill>
+                <a:latin typeface="+mn-lt"/>
+                <a:ea typeface="+mn-ea"/>
+                <a:cs typeface="+mn-cs"/>
+              </a:defRPr>
+            </a:lvl5pPr>
+            <a:lvl6pPr marL="1371600" indent="-182880" algn="l" defTabSz="914400" rtl="0" eaLnBrk="1" latinLnBrk="0" hangingPunct="1">
+              <a:spcBef>
+                <a:spcPct val="20000"/>
+              </a:spcBef>
+              <a:buClr>
+                <a:schemeClr val="accent1"/>
+              </a:buClr>
+              <a:buFont typeface="Arial" pitchFamily="34" charset="0"/>
+              <a:buChar char="•"/>
+              <a:defRPr sz="1300" kern="1200">
+                <a:solidFill>
+                  <a:schemeClr val="tx1"/>
+                </a:solidFill>
+                <a:latin typeface="+mn-lt"/>
+                <a:ea typeface="+mn-ea"/>
+                <a:cs typeface="+mn-cs"/>
+              </a:defRPr>
+            </a:lvl6pPr>
+            <a:lvl7pPr marL="1554480" indent="-182880" algn="l" defTabSz="914400" rtl="0" eaLnBrk="1" latinLnBrk="0" hangingPunct="1">
+              <a:spcBef>
+                <a:spcPct val="20000"/>
+              </a:spcBef>
+              <a:buClr>
+                <a:schemeClr val="accent1"/>
+              </a:buClr>
+              <a:buFont typeface="Arial" pitchFamily="34" charset="0"/>
+              <a:buChar char="•"/>
+              <a:defRPr sz="1300" kern="1200">
+                <a:solidFill>
+                  <a:schemeClr val="tx1"/>
+                </a:solidFill>
+                <a:latin typeface="+mn-lt"/>
+                <a:ea typeface="+mn-ea"/>
+                <a:cs typeface="+mn-cs"/>
+              </a:defRPr>
+            </a:lvl7pPr>
+            <a:lvl8pPr marL="1737360" indent="-182880" algn="l" defTabSz="914400" rtl="0" eaLnBrk="1" latinLnBrk="0" hangingPunct="1">
+              <a:spcBef>
+                <a:spcPct val="20000"/>
+              </a:spcBef>
+              <a:buClr>
+                <a:schemeClr val="accent1"/>
+              </a:buClr>
+              <a:buFont typeface="Arial" pitchFamily="34" charset="0"/>
+              <a:buChar char="•"/>
+              <a:defRPr sz="1300" kern="1200">
+                <a:solidFill>
+                  <a:schemeClr val="tx1"/>
+                </a:solidFill>
+                <a:latin typeface="+mn-lt"/>
+                <a:ea typeface="+mn-ea"/>
+                <a:cs typeface="+mn-cs"/>
+              </a:defRPr>
+            </a:lvl8pPr>
+            <a:lvl9pPr marL="1920240" indent="-182880" algn="l" defTabSz="914400" rtl="0" eaLnBrk="1" latinLnBrk="0" hangingPunct="1">
+              <a:spcBef>
+                <a:spcPct val="20000"/>
+              </a:spcBef>
+              <a:buClr>
+                <a:schemeClr val="accent1"/>
+              </a:buClr>
+              <a:buFont typeface="Arial" pitchFamily="34" charset="0"/>
+              <a:buChar char="•"/>
+              <a:defRPr sz="1300" kern="1200">
+                <a:solidFill>
+                  <a:schemeClr val="tx1"/>
+                </a:solidFill>
+                <a:latin typeface="+mn-lt"/>
+                <a:ea typeface="+mn-ea"/>
+                <a:cs typeface="+mn-cs"/>
+              </a:defRPr>
+            </a:lvl9pPr>
+          </a:lstStyle>
+          <a:p>
+            <a:r>
+              <a:rPr lang="en-US" dirty="0" smtClean="0"/>
+              <a:t>Don’t abuse it! It can easily transform </a:t>
+            </a:r>
+            <a:r>
+              <a:rPr lang="en-US" dirty="0"/>
+              <a:t>to </a:t>
+            </a:r>
+            <a:r>
+              <a:rPr lang="en-US" dirty="0" smtClean="0"/>
+              <a:t>spaghetti code</a:t>
+            </a:r>
+          </a:p>
+          <a:p>
+            <a:r>
+              <a:rPr lang="en-US" dirty="0" smtClean="0"/>
+              <a:t>Prefer direct function calls when possible. It is intended to be used for inter-module communication. </a:t>
+            </a:r>
+          </a:p>
+          <a:p>
+            <a:r>
+              <a:rPr lang="en-US" dirty="0" smtClean="0"/>
+              <a:t>Prefer different message types instead of one type with different states</a:t>
+            </a:r>
+          </a:p>
+          <a:p>
+            <a:endParaRPr lang="en-US" dirty="0" smtClean="0"/>
+          </a:p>
+          <a:p>
+            <a:endParaRPr lang="en-US" dirty="0"/>
+          </a:p>
+        </p:txBody>
+      </p:sp>
+    </p:spTree>
+    <p:extLst>
+      <p:ext uri="{BB962C8B-B14F-4D97-AF65-F5344CB8AC3E}">
+        <p14:creationId xmlns:p14="http://schemas.microsoft.com/office/powerpoint/2010/main" val="1067900539"/>
+      </p:ext>
+    </p:extLst>
+  </p:cSld>
+  <p:clrMapOvr>
+    <a:masterClrMapping/>
+  </p:clrMapOvr>
+</p:sld>
+</file>
+
 <file path=ppt/slides/slide2.xml><?xml version="1.0" encoding="utf-8"?>
 <p:sld xmlns:a="http://schemas.openxmlformats.org/drawingml/2006/main" xmlns:r="http://schemas.openxmlformats.org/officeDocument/2006/relationships" xmlns:p="http://schemas.openxmlformats.org/presentationml/2006/main">
   <p:cSld>

--- a/MessageBus.pptx
+++ b/MessageBus.pptx
@@ -18175,7 +18175,7 @@
             </a:lvl1pPr>
           </a:lstStyle>
           <a:p>
-            <a:endParaRPr lang="en-US"/>
+            <a:endParaRPr lang="en-US" dirty="0"/>
           </a:p>
         </p:txBody>
       </p:sp>
@@ -18210,7 +18210,7 @@
               <a:rPr lang="en-US" smtClean="0"/>
               <a:t>21/10/14</a:t>
             </a:fld>
-            <a:endParaRPr lang="en-US"/>
+            <a:endParaRPr lang="en-US" dirty="0"/>
           </a:p>
         </p:txBody>
       </p:sp>
@@ -18243,7 +18243,7 @@
           <a:bodyPr vert="horz" lIns="91440" tIns="45720" rIns="91440" bIns="45720" rtlCol="0" anchor="ctr"/>
           <a:lstStyle/>
           <a:p>
-            <a:endParaRPr lang="en-US"/>
+            <a:endParaRPr lang="en-US" dirty="0"/>
           </a:p>
         </p:txBody>
       </p:sp>
@@ -18334,7 +18334,7 @@
             </a:lvl1pPr>
           </a:lstStyle>
           <a:p>
-            <a:endParaRPr lang="en-US"/>
+            <a:endParaRPr lang="en-US" dirty="0"/>
           </a:p>
         </p:txBody>
       </p:sp>
@@ -18369,7 +18369,7 @@
               <a:rPr lang="en-US" smtClean="0"/>
               <a:t>‹#›</a:t>
             </a:fld>
-            <a:endParaRPr lang="en-US"/>
+            <a:endParaRPr lang="en-US" dirty="0"/>
           </a:p>
         </p:txBody>
       </p:sp>
@@ -18666,7 +18666,7 @@
               <a:rPr lang="en-US" smtClean="0"/>
               <a:t>Tuesday 21 October 14</a:t>
             </a:fld>
-            <a:endParaRPr lang="en-US"/>
+            <a:endParaRPr lang="en-US" dirty="0"/>
           </a:p>
         </p:txBody>
       </p:sp>
@@ -18710,7 +18710,7 @@
               <a:pPr/>
               <a:t>‹#›</a:t>
             </a:fld>
-            <a:endParaRPr lang="en-US"/>
+            <a:endParaRPr lang="en-US" dirty="0"/>
           </a:p>
         </p:txBody>
       </p:sp>
@@ -18868,7 +18868,7 @@
               <a:rPr lang="en-US" smtClean="0"/>
               <a:t>Tuesday 21 October 14</a:t>
             </a:fld>
-            <a:endParaRPr lang="en-US"/>
+            <a:endParaRPr lang="en-US" dirty="0"/>
           </a:p>
         </p:txBody>
       </p:sp>
@@ -18912,7 +18912,7 @@
               <a:pPr/>
               <a:t>‹#›</a:t>
             </a:fld>
-            <a:endParaRPr lang="en-US"/>
+            <a:endParaRPr lang="en-US" dirty="0"/>
           </a:p>
         </p:txBody>
       </p:sp>
@@ -19045,7 +19045,7 @@
               <a:rPr lang="en-US" smtClean="0"/>
               <a:t>Tuesday 21 October 14</a:t>
             </a:fld>
-            <a:endParaRPr lang="en-US"/>
+            <a:endParaRPr lang="en-US" dirty="0"/>
           </a:p>
         </p:txBody>
       </p:sp>
@@ -19089,7 +19089,7 @@
               <a:pPr/>
               <a:t>‹#›</a:t>
             </a:fld>
-            <a:endParaRPr lang="en-US"/>
+            <a:endParaRPr lang="en-US" dirty="0"/>
           </a:p>
         </p:txBody>
       </p:sp>
@@ -19212,7 +19212,7 @@
               <a:rPr lang="en-US" smtClean="0"/>
               <a:t>Tuesday 21 October 14</a:t>
             </a:fld>
-            <a:endParaRPr lang="en-US"/>
+            <a:endParaRPr lang="en-US" dirty="0"/>
           </a:p>
         </p:txBody>
       </p:sp>
@@ -19256,7 +19256,7 @@
               <a:pPr/>
               <a:t>‹#›</a:t>
             </a:fld>
-            <a:endParaRPr lang="en-US"/>
+            <a:endParaRPr lang="en-US" dirty="0"/>
           </a:p>
         </p:txBody>
       </p:sp>
@@ -19462,7 +19462,7 @@
               <a:rPr lang="en-US" smtClean="0"/>
               <a:t>Tuesday 21 October 14</a:t>
             </a:fld>
-            <a:endParaRPr lang="en-US"/>
+            <a:endParaRPr lang="en-US" dirty="0"/>
           </a:p>
         </p:txBody>
       </p:sp>
@@ -19506,7 +19506,7 @@
               <a:pPr/>
               <a:t>‹#›</a:t>
             </a:fld>
-            <a:endParaRPr lang="en-US"/>
+            <a:endParaRPr lang="en-US" dirty="0"/>
           </a:p>
         </p:txBody>
       </p:sp>
@@ -19782,7 +19782,7 @@
               <a:rPr lang="en-US" smtClean="0"/>
               <a:t>Tuesday 21 October 14</a:t>
             </a:fld>
-            <a:endParaRPr lang="en-US"/>
+            <a:endParaRPr lang="en-US" dirty="0"/>
           </a:p>
         </p:txBody>
       </p:sp>
@@ -19826,7 +19826,7 @@
               <a:pPr/>
               <a:t>‹#›</a:t>
             </a:fld>
-            <a:endParaRPr lang="en-US"/>
+            <a:endParaRPr lang="en-US" dirty="0"/>
           </a:p>
         </p:txBody>
       </p:sp>
@@ -20250,7 +20250,7 @@
               <a:rPr lang="en-US" smtClean="0"/>
               <a:t>Tuesday 21 October 14</a:t>
             </a:fld>
-            <a:endParaRPr lang="en-US"/>
+            <a:endParaRPr lang="en-US" dirty="0"/>
           </a:p>
         </p:txBody>
       </p:sp>
@@ -20294,7 +20294,7 @@
               <a:pPr/>
               <a:t>‹#›</a:t>
             </a:fld>
-            <a:endParaRPr lang="en-US"/>
+            <a:endParaRPr lang="en-US" dirty="0"/>
           </a:p>
         </p:txBody>
       </p:sp>
@@ -20400,7 +20400,7 @@
               <a:rPr lang="en-US" smtClean="0"/>
               <a:t>Tuesday 21 October 14</a:t>
             </a:fld>
-            <a:endParaRPr lang="en-US"/>
+            <a:endParaRPr lang="en-US" dirty="0"/>
           </a:p>
         </p:txBody>
       </p:sp>
@@ -20444,7 +20444,7 @@
               <a:pPr/>
               <a:t>‹#›</a:t>
             </a:fld>
-            <a:endParaRPr lang="en-US"/>
+            <a:endParaRPr lang="en-US" dirty="0"/>
           </a:p>
         </p:txBody>
       </p:sp>
@@ -20492,7 +20492,7 @@
               <a:rPr lang="en-US" smtClean="0"/>
               <a:t>Tuesday 21 October 14</a:t>
             </a:fld>
-            <a:endParaRPr lang="en-US"/>
+            <a:endParaRPr lang="en-US" dirty="0"/>
           </a:p>
         </p:txBody>
       </p:sp>
@@ -20536,7 +20536,7 @@
               <a:pPr/>
               <a:t>‹#›</a:t>
             </a:fld>
-            <a:endParaRPr lang="en-US"/>
+            <a:endParaRPr lang="en-US" dirty="0"/>
           </a:p>
         </p:txBody>
       </p:sp>
@@ -20768,7 +20768,7 @@
               <a:rPr lang="en-US" smtClean="0"/>
               <a:t>Tuesday 21 October 14</a:t>
             </a:fld>
-            <a:endParaRPr lang="en-US"/>
+            <a:endParaRPr lang="en-US" dirty="0"/>
           </a:p>
         </p:txBody>
       </p:sp>
@@ -20812,7 +20812,7 @@
               <a:pPr/>
               <a:t>‹#›</a:t>
             </a:fld>
-            <a:endParaRPr lang="en-US"/>
+            <a:endParaRPr lang="en-US" dirty="0"/>
           </a:p>
         </p:txBody>
       </p:sp>
@@ -20984,7 +20984,7 @@
           </a:lstStyle>
           <a:p>
             <a:r>
-              <a:rPr lang="en-US" smtClean="0"/>
+              <a:rPr lang="en-US" dirty="0" smtClean="0"/>
               <a:t>Drag picture to placeholder or click icon to add</a:t>
             </a:r>
             <a:endParaRPr lang="en-US" dirty="0"/>
@@ -21075,7 +21075,7 @@
               <a:rPr lang="en-US" smtClean="0"/>
               <a:t>Tuesday 21 October 14</a:t>
             </a:fld>
-            <a:endParaRPr lang="en-US"/>
+            <a:endParaRPr lang="en-US" dirty="0"/>
           </a:p>
         </p:txBody>
       </p:sp>
@@ -21119,7 +21119,7 @@
               <a:pPr/>
               <a:t>‹#›</a:t>
             </a:fld>
-            <a:endParaRPr lang="en-US"/>
+            <a:endParaRPr lang="en-US" dirty="0"/>
           </a:p>
         </p:txBody>
       </p:sp>
@@ -21195,7 +21195,7 @@
           <a:lstStyle/>
           <a:p>
             <a:pPr algn="ctr"/>
-            <a:endParaRPr lang="en-US"/>
+            <a:endParaRPr lang="en-US" dirty="0"/>
           </a:p>
         </p:txBody>
       </p:sp>
@@ -21336,7 +21336,7 @@
           <a:lstStyle/>
           <a:p>
             <a:pPr algn="ctr"/>
-            <a:endParaRPr lang="en-US"/>
+            <a:endParaRPr lang="en-US" dirty="0"/>
           </a:p>
         </p:txBody>
       </p:sp>
@@ -22136,39 +22136,7 @@
                   <a:schemeClr val="bg1"/>
                 </a:solidFill>
               </a:rPr>
-              <a:t>    template&lt;</a:t>
-            </a:r>
-            <a:r>
-              <a:rPr lang="en-US" sz="1000" dirty="0" err="1">
-                <a:solidFill>
-                  <a:schemeClr val="bg1"/>
-                </a:solidFill>
-              </a:rPr>
-              <a:t>typename</a:t>
-            </a:r>
-            <a:r>
-              <a:rPr lang="en-US" sz="1000" dirty="0">
-                <a:solidFill>
-                  <a:schemeClr val="bg1"/>
-                </a:solidFill>
-              </a:rPr>
-              <a:t> </a:t>
-            </a:r>
-            <a:r>
-              <a:rPr lang="en-US" sz="1000" dirty="0" err="1">
-                <a:solidFill>
-                  <a:schemeClr val="bg1"/>
-                </a:solidFill>
-              </a:rPr>
-              <a:t>EventType</a:t>
-            </a:r>
-            <a:r>
-              <a:rPr lang="en-US" sz="1000" dirty="0">
-                <a:solidFill>
-                  <a:schemeClr val="bg1"/>
-                </a:solidFill>
-              </a:rPr>
-              <a:t>&gt;</a:t>
+              <a:t>    template&lt;typename EventType&gt;</a:t>
             </a:r>
           </a:p>
           <a:p>
@@ -22178,71 +22146,7 @@
                   <a:schemeClr val="bg1"/>
                 </a:solidFill>
               </a:rPr>
-              <a:t>    void </a:t>
-            </a:r>
-            <a:r>
-              <a:rPr lang="en-US" sz="1000" dirty="0" err="1">
-                <a:solidFill>
-                  <a:schemeClr val="bg1"/>
-                </a:solidFill>
-              </a:rPr>
-              <a:t>BaseObservable</a:t>
-            </a:r>
-            <a:r>
-              <a:rPr lang="en-US" sz="1000" dirty="0">
-                <a:solidFill>
-                  <a:schemeClr val="bg1"/>
-                </a:solidFill>
-              </a:rPr>
-              <a:t>&lt;</a:t>
-            </a:r>
-            <a:r>
-              <a:rPr lang="en-US" sz="1000" dirty="0" err="1">
-                <a:solidFill>
-                  <a:schemeClr val="bg1"/>
-                </a:solidFill>
-              </a:rPr>
-              <a:t>EventType</a:t>
-            </a:r>
-            <a:r>
-              <a:rPr lang="en-US" sz="1000" dirty="0">
-                <a:solidFill>
-                  <a:schemeClr val="bg1"/>
-                </a:solidFill>
-              </a:rPr>
-              <a:t>&gt;::operator()(</a:t>
-            </a:r>
-            <a:r>
-              <a:rPr lang="en-US" sz="1000" dirty="0" err="1">
-                <a:solidFill>
-                  <a:schemeClr val="bg1"/>
-                </a:solidFill>
-              </a:rPr>
-              <a:t>const</a:t>
-            </a:r>
-            <a:r>
-              <a:rPr lang="en-US" sz="1000" dirty="0">
-                <a:solidFill>
-                  <a:schemeClr val="bg1"/>
-                </a:solidFill>
-              </a:rPr>
-              <a:t> </a:t>
-            </a:r>
-            <a:r>
-              <a:rPr lang="en-US" sz="1000" dirty="0" err="1">
-                <a:solidFill>
-                  <a:schemeClr val="bg1"/>
-                </a:solidFill>
-              </a:rPr>
-              <a:t>EventType</a:t>
-            </a:r>
-            <a:r>
-              <a:rPr lang="en-US" sz="1000" dirty="0">
-                <a:solidFill>
-                  <a:schemeClr val="bg1"/>
-                </a:solidFill>
-              </a:rPr>
-              <a:t>&amp; event)</a:t>
+              <a:t>    void BaseObservable&lt;EventType&gt;::operator()(const EventType&amp; event)</a:t>
             </a:r>
           </a:p>
           <a:p>
@@ -22262,23 +22166,7 @@
                   <a:schemeClr val="bg1"/>
                 </a:solidFill>
               </a:rPr>
-              <a:t>        for(auto&amp; link : </a:t>
-            </a:r>
-            <a:r>
-              <a:rPr lang="en-US" sz="1000" dirty="0" err="1">
-                <a:solidFill>
-                  <a:schemeClr val="bg1"/>
-                </a:solidFill>
-              </a:rPr>
-              <a:t>m_links</a:t>
-            </a:r>
-            <a:r>
-              <a:rPr lang="en-US" sz="1000" dirty="0">
-                <a:solidFill>
-                  <a:schemeClr val="bg1"/>
-                </a:solidFill>
-              </a:rPr>
-              <a:t>)</a:t>
+              <a:t>        for(auto&amp; link : m_links)</a:t>
             </a:r>
           </a:p>
           <a:p>
@@ -22298,23 +22186,7 @@
                   <a:schemeClr val="bg1"/>
                 </a:solidFill>
               </a:rPr>
-              <a:t>            </a:t>
-            </a:r>
-            <a:r>
-              <a:rPr lang="en-US" sz="1000" dirty="0" err="1">
-                <a:solidFill>
-                  <a:schemeClr val="bg1"/>
-                </a:solidFill>
-              </a:rPr>
-              <a:t>link.first</a:t>
-            </a:r>
-            <a:r>
-              <a:rPr lang="en-US" sz="1000" dirty="0">
-                <a:solidFill>
-                  <a:schemeClr val="bg1"/>
-                </a:solidFill>
-              </a:rPr>
-              <a:t>(event);</a:t>
+              <a:t>            link.first(event);</a:t>
             </a:r>
           </a:p>
           <a:p>
@@ -22613,23 +22485,7 @@
                   <a:schemeClr val="bg1"/>
                 </a:solidFill>
               </a:rPr>
-              <a:t>        if(</a:t>
-            </a:r>
-            <a:r>
-              <a:rPr lang="en-US" sz="1000" dirty="0" err="1">
-                <a:solidFill>
-                  <a:schemeClr val="bg1"/>
-                </a:solidFill>
-              </a:rPr>
-              <a:t>m_closeConnection</a:t>
-            </a:r>
-            <a:r>
-              <a:rPr lang="en-US" sz="1000" dirty="0">
-                <a:solidFill>
-                  <a:schemeClr val="bg1"/>
-                </a:solidFill>
-              </a:rPr>
-              <a:t>)</a:t>
+              <a:t>        if(m_closeConnection)</a:t>
             </a:r>
           </a:p>
           <a:p>
@@ -22649,23 +22505,7 @@
                   <a:schemeClr val="bg1"/>
                 </a:solidFill>
               </a:rPr>
-              <a:t>            </a:t>
-            </a:r>
-            <a:r>
-              <a:rPr lang="en-US" sz="1000" dirty="0" err="1">
-                <a:solidFill>
-                  <a:schemeClr val="bg1"/>
-                </a:solidFill>
-              </a:rPr>
-              <a:t>m_closeConnection</a:t>
-            </a:r>
-            <a:r>
-              <a:rPr lang="en-US" sz="1000" dirty="0">
-                <a:solidFill>
-                  <a:schemeClr val="bg1"/>
-                </a:solidFill>
-              </a:rPr>
-              <a:t>();</a:t>
+              <a:t>            m_closeConnection();</a:t>
             </a:r>
           </a:p>
           <a:p>
@@ -22675,39 +22515,7 @@
                   <a:schemeClr val="bg1"/>
                 </a:solidFill>
               </a:rPr>
-              <a:t>            </a:t>
-            </a:r>
-            <a:r>
-              <a:rPr lang="en-US" sz="1000" dirty="0" err="1">
-                <a:solidFill>
-                  <a:schemeClr val="bg1"/>
-                </a:solidFill>
-              </a:rPr>
-              <a:t>m_closeConnection</a:t>
-            </a:r>
-            <a:r>
-              <a:rPr lang="en-US" sz="1000" dirty="0">
-                <a:solidFill>
-                  <a:schemeClr val="bg1"/>
-                </a:solidFill>
-              </a:rPr>
-              <a:t> = </a:t>
-            </a:r>
-            <a:r>
-              <a:rPr lang="en-US" sz="1000" dirty="0" err="1">
-                <a:solidFill>
-                  <a:schemeClr val="bg1"/>
-                </a:solidFill>
-              </a:rPr>
-              <a:t>nullptr</a:t>
-            </a:r>
-            <a:r>
-              <a:rPr lang="en-US" sz="1000" dirty="0">
-                <a:solidFill>
-                  <a:schemeClr val="bg1"/>
-                </a:solidFill>
-              </a:rPr>
-              <a:t>;</a:t>
+              <a:t>            m_closeConnection = nullptr;</a:t>
             </a:r>
           </a:p>
           <a:p>
@@ -22717,39 +22525,7 @@
                   <a:schemeClr val="bg1"/>
                 </a:solidFill>
               </a:rPr>
-              <a:t>            </a:t>
-            </a:r>
-            <a:r>
-              <a:rPr lang="en-US" sz="1000" dirty="0" err="1">
-                <a:solidFill>
-                  <a:schemeClr val="bg1"/>
-                </a:solidFill>
-              </a:rPr>
-              <a:t>m_updateConnection</a:t>
-            </a:r>
-            <a:r>
-              <a:rPr lang="en-US" sz="1000" dirty="0">
-                <a:solidFill>
-                  <a:schemeClr val="bg1"/>
-                </a:solidFill>
-              </a:rPr>
-              <a:t> = </a:t>
-            </a:r>
-            <a:r>
-              <a:rPr lang="en-US" sz="1000" dirty="0" err="1">
-                <a:solidFill>
-                  <a:schemeClr val="bg1"/>
-                </a:solidFill>
-              </a:rPr>
-              <a:t>nullptr</a:t>
-            </a:r>
-            <a:r>
-              <a:rPr lang="en-US" sz="1000" dirty="0">
-                <a:solidFill>
-                  <a:schemeClr val="bg1"/>
-                </a:solidFill>
-              </a:rPr>
-              <a:t>;</a:t>
+              <a:t>            m_updateConnection = nullptr;</a:t>
             </a:r>
           </a:p>
           <a:p>
@@ -22984,39 +22760,7 @@
                   <a:schemeClr val="bg1"/>
                 </a:solidFill>
               </a:rPr>
-              <a:t>&lt;</a:t>
-            </a:r>
-            <a:r>
-              <a:rPr lang="en-US" sz="1000" dirty="0" err="1">
-                <a:solidFill>
-                  <a:schemeClr val="bg1"/>
-                </a:solidFill>
-              </a:rPr>
-              <a:t>typename</a:t>
-            </a:r>
-            <a:r>
-              <a:rPr lang="en-US" sz="1000" dirty="0">
-                <a:solidFill>
-                  <a:schemeClr val="bg1"/>
-                </a:solidFill>
-              </a:rPr>
-              <a:t> </a:t>
-            </a:r>
-            <a:r>
-              <a:rPr lang="en-US" sz="1000" dirty="0" err="1">
-                <a:solidFill>
-                  <a:schemeClr val="bg1"/>
-                </a:solidFill>
-              </a:rPr>
-              <a:t>MessageType</a:t>
-            </a:r>
-            <a:r>
-              <a:rPr lang="en-US" sz="1000" dirty="0">
-                <a:solidFill>
-                  <a:schemeClr val="bg1"/>
-                </a:solidFill>
-              </a:rPr>
-              <a:t>&gt;</a:t>
+              <a:t>&lt;typename MessageType&gt;</a:t>
             </a:r>
           </a:p>
           <a:p>
@@ -23026,31 +22770,7 @@
                   <a:schemeClr val="bg1"/>
                 </a:solidFill>
               </a:rPr>
-              <a:t>void </a:t>
-            </a:r>
-            <a:r>
-              <a:rPr lang="en-US" sz="1000" dirty="0" err="1" smtClean="0">
-                <a:solidFill>
-                  <a:schemeClr val="bg1"/>
-                </a:solidFill>
-              </a:rPr>
-              <a:t>MessageBus</a:t>
-            </a:r>
-            <a:r>
-              <a:rPr lang="en-US" sz="1000" dirty="0" smtClean="0">
-                <a:solidFill>
-                  <a:schemeClr val="bg1"/>
-                </a:solidFill>
-              </a:rPr>
-              <a:t>::</a:t>
-            </a:r>
-            <a:r>
-              <a:rPr lang="en-US" sz="1000" dirty="0" err="1" smtClean="0">
-                <a:solidFill>
-                  <a:schemeClr val="bg1"/>
-                </a:solidFill>
-              </a:rPr>
-              <a:t>PostMessage</a:t>
+              <a:t>void MessageBus::PostMessage</a:t>
             </a:r>
             <a:r>
               <a:rPr lang="en-US" sz="1000" dirty="0">
@@ -23058,39 +22778,7 @@
                   <a:schemeClr val="bg1"/>
                 </a:solidFill>
               </a:rPr>
-              <a:t>(</a:t>
-            </a:r>
-            <a:r>
-              <a:rPr lang="en-US" sz="1000" dirty="0" err="1">
-                <a:solidFill>
-                  <a:schemeClr val="bg1"/>
-                </a:solidFill>
-              </a:rPr>
-              <a:t>const</a:t>
-            </a:r>
-            <a:r>
-              <a:rPr lang="en-US" sz="1000" dirty="0">
-                <a:solidFill>
-                  <a:schemeClr val="bg1"/>
-                </a:solidFill>
-              </a:rPr>
-              <a:t> </a:t>
-            </a:r>
-            <a:r>
-              <a:rPr lang="en-US" sz="1000" dirty="0" err="1">
-                <a:solidFill>
-                  <a:schemeClr val="bg1"/>
-                </a:solidFill>
-              </a:rPr>
-              <a:t>MessageType</a:t>
-            </a:r>
-            <a:r>
-              <a:rPr lang="en-US" sz="1000" dirty="0">
-                <a:solidFill>
-                  <a:schemeClr val="bg1"/>
-                </a:solidFill>
-              </a:rPr>
-              <a:t>&amp; message)</a:t>
+              <a:t>(const MessageType&amp; message)</a:t>
             </a:r>
           </a:p>
           <a:p>
@@ -23113,7 +22801,7 @@
               <a:t>    </a:t>
             </a:r>
             <a:r>
-              <a:rPr lang="en-US" sz="1000" smtClean="0">
+              <a:rPr lang="en-US" sz="1000" dirty="0" smtClean="0">
                 <a:solidFill>
                   <a:schemeClr val="bg1"/>
                 </a:solidFill>
@@ -23121,20 +22809,12 @@
               <a:t>GetObservable&lt;</a:t>
             </a:r>
             <a:r>
-              <a:rPr lang="en-US" sz="1000" dirty="0" err="1">
+              <a:rPr lang="en-US" sz="1000" dirty="0">
                 <a:solidFill>
                   <a:schemeClr val="bg1"/>
                 </a:solidFill>
               </a:rPr>
-              <a:t>MessageType</a:t>
-            </a:r>
-            <a:r>
-              <a:rPr lang="en-US" sz="1000" dirty="0">
-                <a:solidFill>
-                  <a:schemeClr val="bg1"/>
-                </a:solidFill>
-              </a:rPr>
-              <a:t>&gt;()(message);</a:t>
+              <a:t>MessageType&gt;()(message);</a:t>
             </a:r>
           </a:p>
           <a:p>
@@ -23161,39 +22841,7 @@
                   <a:schemeClr val="bg1"/>
                 </a:solidFill>
               </a:rPr>
-              <a:t>template&lt;</a:t>
-            </a:r>
-            <a:r>
-              <a:rPr lang="en-US" sz="1000" dirty="0" err="1">
-                <a:solidFill>
-                  <a:schemeClr val="bg1"/>
-                </a:solidFill>
-              </a:rPr>
-              <a:t>typename</a:t>
-            </a:r>
-            <a:r>
-              <a:rPr lang="en-US" sz="1000" dirty="0">
-                <a:solidFill>
-                  <a:schemeClr val="bg1"/>
-                </a:solidFill>
-              </a:rPr>
-              <a:t> </a:t>
-            </a:r>
-            <a:r>
-              <a:rPr lang="en-US" sz="1000" dirty="0" err="1">
-                <a:solidFill>
-                  <a:schemeClr val="bg1"/>
-                </a:solidFill>
-              </a:rPr>
-              <a:t>MessageType</a:t>
-            </a:r>
-            <a:r>
-              <a:rPr lang="en-US" sz="1000" dirty="0">
-                <a:solidFill>
-                  <a:schemeClr val="bg1"/>
-                </a:solidFill>
-              </a:rPr>
-              <a:t>&gt;</a:t>
+              <a:t>template&lt;typename MessageType&gt;</a:t>
             </a:r>
           </a:p>
           <a:p>
@@ -23206,28 +22854,12 @@
               <a:t>Connection </a:t>
             </a:r>
             <a:r>
-              <a:rPr lang="en-US" sz="1000" dirty="0" err="1" smtClean="0">
+              <a:rPr lang="en-US" sz="1000" dirty="0" smtClean="0">
                 <a:solidFill>
                   <a:schemeClr val="bg1"/>
                 </a:solidFill>
               </a:rPr>
-              <a:t>MessageBus</a:t>
-            </a:r>
-            <a:r>
-              <a:rPr lang="en-US" sz="1000" dirty="0" smtClean="0">
-                <a:solidFill>
-                  <a:schemeClr val="bg1"/>
-                </a:solidFill>
-              </a:rPr>
-              <a:t>::</a:t>
-            </a:r>
-            <a:r>
-              <a:rPr lang="en-US" sz="1000" dirty="0" err="1" smtClean="0">
-                <a:solidFill>
-                  <a:schemeClr val="bg1"/>
-                </a:solidFill>
-              </a:rPr>
-              <a:t>RegisterObserver</a:t>
+              <a:t>MessageBus::RegisterObserver</a:t>
             </a:r>
             <a:r>
               <a:rPr lang="en-US" sz="1000" dirty="0">
@@ -23235,55 +22867,7 @@
                   <a:schemeClr val="bg1"/>
                 </a:solidFill>
               </a:rPr>
-              <a:t>(</a:t>
-            </a:r>
-            <a:r>
-              <a:rPr lang="en-US" sz="1000" dirty="0" err="1">
-                <a:solidFill>
-                  <a:schemeClr val="bg1"/>
-                </a:solidFill>
-              </a:rPr>
-              <a:t>std</a:t>
-            </a:r>
-            <a:r>
-              <a:rPr lang="en-US" sz="1000" dirty="0">
-                <a:solidFill>
-                  <a:schemeClr val="bg1"/>
-                </a:solidFill>
-              </a:rPr>
-              <a:t>::function&lt;void(</a:t>
-            </a:r>
-            <a:r>
-              <a:rPr lang="en-US" sz="1000" dirty="0" err="1">
-                <a:solidFill>
-                  <a:schemeClr val="bg1"/>
-                </a:solidFill>
-              </a:rPr>
-              <a:t>const</a:t>
-            </a:r>
-            <a:r>
-              <a:rPr lang="en-US" sz="1000" dirty="0">
-                <a:solidFill>
-                  <a:schemeClr val="bg1"/>
-                </a:solidFill>
-              </a:rPr>
-              <a:t> </a:t>
-            </a:r>
-            <a:r>
-              <a:rPr lang="en-US" sz="1000" dirty="0" err="1">
-                <a:solidFill>
-                  <a:schemeClr val="bg1"/>
-                </a:solidFill>
-              </a:rPr>
-              <a:t>MessageType</a:t>
-            </a:r>
-            <a:r>
-              <a:rPr lang="en-US" sz="1000" dirty="0">
-                <a:solidFill>
-                  <a:schemeClr val="bg1"/>
-                </a:solidFill>
-              </a:rPr>
-              <a:t>&amp;)&gt; callback)</a:t>
+              <a:t>(std::function&lt;void(const MessageType&amp;)&gt; callback)</a:t>
             </a:r>
           </a:p>
           <a:p>
@@ -23306,28 +22890,12 @@
               <a:t>    return </a:t>
             </a:r>
             <a:r>
-              <a:rPr lang="en-US" sz="1000" dirty="0" err="1" smtClean="0">
+              <a:rPr lang="en-US" sz="1000" dirty="0" smtClean="0">
                 <a:solidFill>
                   <a:schemeClr val="bg1"/>
                 </a:solidFill>
               </a:rPr>
-              <a:t>GetObservable</a:t>
-            </a:r>
-            <a:r>
-              <a:rPr lang="en-US" sz="1000" dirty="0" smtClean="0">
-                <a:solidFill>
-                  <a:schemeClr val="bg1"/>
-                </a:solidFill>
-              </a:rPr>
-              <a:t>&lt;</a:t>
-            </a:r>
-            <a:r>
-              <a:rPr lang="en-US" sz="1000" dirty="0" err="1">
-                <a:solidFill>
-                  <a:schemeClr val="bg1"/>
-                </a:solidFill>
-              </a:rPr>
-              <a:t>MessageType</a:t>
+              <a:t>GetObservable&lt;</a:t>
             </a:r>
             <a:r>
               <a:rPr lang="en-US" sz="1000" dirty="0">
@@ -23335,23 +22903,7 @@
                   <a:schemeClr val="bg1"/>
                 </a:solidFill>
               </a:rPr>
-              <a:t>&gt;().</a:t>
-            </a:r>
-            <a:r>
-              <a:rPr lang="en-US" sz="1000" dirty="0" err="1">
-                <a:solidFill>
-                  <a:schemeClr val="bg1"/>
-                </a:solidFill>
-              </a:rPr>
-              <a:t>AddObserver</a:t>
-            </a:r>
-            <a:r>
-              <a:rPr lang="en-US" sz="1000" dirty="0">
-                <a:solidFill>
-                  <a:schemeClr val="bg1"/>
-                </a:solidFill>
-              </a:rPr>
-              <a:t>(callback);</a:t>
+              <a:t>MessageType&gt;().AddObserver(callback);</a:t>
             </a:r>
           </a:p>
           <a:p>
@@ -23378,71 +22930,7 @@
                   <a:schemeClr val="bg1"/>
                 </a:solidFill>
               </a:rPr>
-              <a:t>template&lt;</a:t>
-            </a:r>
-            <a:r>
-              <a:rPr lang="en-US" sz="1000" dirty="0" err="1">
-                <a:solidFill>
-                  <a:schemeClr val="bg1"/>
-                </a:solidFill>
-              </a:rPr>
-              <a:t>typename</a:t>
-            </a:r>
-            <a:r>
-              <a:rPr lang="en-US" sz="1000" dirty="0">
-                <a:solidFill>
-                  <a:schemeClr val="bg1"/>
-                </a:solidFill>
-              </a:rPr>
-              <a:t> </a:t>
-            </a:r>
-            <a:r>
-              <a:rPr lang="en-US" sz="1000" dirty="0" err="1">
-                <a:solidFill>
-                  <a:schemeClr val="bg1"/>
-                </a:solidFill>
-              </a:rPr>
-              <a:t>ObserverType</a:t>
-            </a:r>
-            <a:r>
-              <a:rPr lang="en-US" sz="1000" dirty="0">
-                <a:solidFill>
-                  <a:schemeClr val="bg1"/>
-                </a:solidFill>
-              </a:rPr>
-              <a:t>, </a:t>
-            </a:r>
-            <a:r>
-              <a:rPr lang="en-US" sz="1000" dirty="0" err="1">
-                <a:solidFill>
-                  <a:schemeClr val="bg1"/>
-                </a:solidFill>
-              </a:rPr>
-              <a:t>typename</a:t>
-            </a:r>
-            <a:r>
-              <a:rPr lang="en-US" sz="1000" dirty="0">
-                <a:solidFill>
-                  <a:schemeClr val="bg1"/>
-                </a:solidFill>
-              </a:rPr>
-              <a:t> </a:t>
-            </a:r>
-            <a:r>
-              <a:rPr lang="en-US" sz="1000" dirty="0" err="1">
-                <a:solidFill>
-                  <a:schemeClr val="bg1"/>
-                </a:solidFill>
-              </a:rPr>
-              <a:t>MessageType</a:t>
-            </a:r>
-            <a:r>
-              <a:rPr lang="en-US" sz="1000" dirty="0">
-                <a:solidFill>
-                  <a:schemeClr val="bg1"/>
-                </a:solidFill>
-              </a:rPr>
-              <a:t>&gt;</a:t>
+              <a:t>template&lt;typename ObserverType, typename MessageType&gt;</a:t>
             </a:r>
           </a:p>
           <a:p>
@@ -23455,28 +22943,12 @@
               <a:t>Connection </a:t>
             </a:r>
             <a:r>
-              <a:rPr lang="en-US" sz="1000" dirty="0" err="1" smtClean="0">
+              <a:rPr lang="en-US" sz="1000" dirty="0" smtClean="0">
                 <a:solidFill>
                   <a:schemeClr val="bg1"/>
                 </a:solidFill>
               </a:rPr>
-              <a:t>MessageBus</a:t>
-            </a:r>
-            <a:r>
-              <a:rPr lang="en-US" sz="1000" dirty="0" smtClean="0">
-                <a:solidFill>
-                  <a:schemeClr val="bg1"/>
-                </a:solidFill>
-              </a:rPr>
-              <a:t>::</a:t>
-            </a:r>
-            <a:r>
-              <a:rPr lang="en-US" sz="1000" dirty="0" err="1" smtClean="0">
-                <a:solidFill>
-                  <a:schemeClr val="bg1"/>
-                </a:solidFill>
-              </a:rPr>
-              <a:t>RegisterObserver</a:t>
+              <a:t>MessageBus::RegisterObserver</a:t>
             </a:r>
             <a:r>
               <a:rPr lang="en-US" sz="1000" dirty="0">
@@ -23484,71 +22956,7 @@
                   <a:schemeClr val="bg1"/>
                 </a:solidFill>
               </a:rPr>
-              <a:t>(</a:t>
-            </a:r>
-            <a:r>
-              <a:rPr lang="en-US" sz="1000" dirty="0" err="1">
-                <a:solidFill>
-                  <a:schemeClr val="bg1"/>
-                </a:solidFill>
-              </a:rPr>
-              <a:t>ObserverType</a:t>
-            </a:r>
-            <a:r>
-              <a:rPr lang="en-US" sz="1000" dirty="0">
-                <a:solidFill>
-                  <a:schemeClr val="bg1"/>
-                </a:solidFill>
-              </a:rPr>
-              <a:t>* object, void (</a:t>
-            </a:r>
-            <a:r>
-              <a:rPr lang="en-US" sz="1000" dirty="0" err="1">
-                <a:solidFill>
-                  <a:schemeClr val="bg1"/>
-                </a:solidFill>
-              </a:rPr>
-              <a:t>ObserverType</a:t>
-            </a:r>
-            <a:r>
-              <a:rPr lang="en-US" sz="1000" dirty="0">
-                <a:solidFill>
-                  <a:schemeClr val="bg1"/>
-                </a:solidFill>
-              </a:rPr>
-              <a:t>::*callback)(</a:t>
-            </a:r>
-            <a:r>
-              <a:rPr lang="en-US" sz="1000" dirty="0" err="1">
-                <a:solidFill>
-                  <a:schemeClr val="bg1"/>
-                </a:solidFill>
-              </a:rPr>
-              <a:t>const</a:t>
-            </a:r>
-            <a:r>
-              <a:rPr lang="en-US" sz="1000" dirty="0">
-                <a:solidFill>
-                  <a:schemeClr val="bg1"/>
-                </a:solidFill>
-              </a:rPr>
-              <a:t> </a:t>
-            </a:r>
-            <a:r>
-              <a:rPr lang="en-US" sz="1000" dirty="0" err="1">
-                <a:solidFill>
-                  <a:schemeClr val="bg1"/>
-                </a:solidFill>
-              </a:rPr>
-              <a:t>MessageType</a:t>
-            </a:r>
-            <a:r>
-              <a:rPr lang="en-US" sz="1000" dirty="0">
-                <a:solidFill>
-                  <a:schemeClr val="bg1"/>
-                </a:solidFill>
-              </a:rPr>
-              <a:t>&amp;))</a:t>
+              <a:t>(ObserverType* object, void (ObserverType::*callback)(const MessageType&amp;))</a:t>
             </a:r>
           </a:p>
           <a:p>
@@ -23571,28 +22979,12 @@
               <a:t>    return </a:t>
             </a:r>
             <a:r>
-              <a:rPr lang="en-US" sz="1000" dirty="0" err="1" smtClean="0">
+              <a:rPr lang="en-US" sz="1000" dirty="0" smtClean="0">
                 <a:solidFill>
                   <a:schemeClr val="bg1"/>
                 </a:solidFill>
               </a:rPr>
-              <a:t>GetObservable</a:t>
-            </a:r>
-            <a:r>
-              <a:rPr lang="en-US" sz="1000" dirty="0" smtClean="0">
-                <a:solidFill>
-                  <a:schemeClr val="bg1"/>
-                </a:solidFill>
-              </a:rPr>
-              <a:t>&lt;</a:t>
-            </a:r>
-            <a:r>
-              <a:rPr lang="en-US" sz="1000" dirty="0" err="1">
-                <a:solidFill>
-                  <a:schemeClr val="bg1"/>
-                </a:solidFill>
-              </a:rPr>
-              <a:t>MessageType</a:t>
+              <a:t>GetObservable&lt;</a:t>
             </a:r>
             <a:r>
               <a:rPr lang="en-US" sz="1000" dirty="0">
@@ -23600,23 +22992,7 @@
                   <a:schemeClr val="bg1"/>
                 </a:solidFill>
               </a:rPr>
-              <a:t>&gt;().</a:t>
-            </a:r>
-            <a:r>
-              <a:rPr lang="en-US" sz="1000" dirty="0" err="1">
-                <a:solidFill>
-                  <a:schemeClr val="bg1"/>
-                </a:solidFill>
-              </a:rPr>
-              <a:t>AddObserver</a:t>
-            </a:r>
-            <a:r>
-              <a:rPr lang="en-US" sz="1000" dirty="0">
-                <a:solidFill>
-                  <a:schemeClr val="bg1"/>
-                </a:solidFill>
-              </a:rPr>
-              <a:t>(object, callback);</a:t>
+              <a:t>MessageType&gt;().AddObserver(object, callback);</a:t>
             </a:r>
           </a:p>
           <a:p>
@@ -23643,39 +23019,7 @@
                   <a:schemeClr val="bg1"/>
                 </a:solidFill>
               </a:rPr>
-              <a:t>template&lt;</a:t>
-            </a:r>
-            <a:r>
-              <a:rPr lang="en-US" sz="1000" dirty="0" err="1">
-                <a:solidFill>
-                  <a:schemeClr val="bg1"/>
-                </a:solidFill>
-              </a:rPr>
-              <a:t>typename</a:t>
-            </a:r>
-            <a:r>
-              <a:rPr lang="en-US" sz="1000" dirty="0">
-                <a:solidFill>
-                  <a:schemeClr val="bg1"/>
-                </a:solidFill>
-              </a:rPr>
-              <a:t> </a:t>
-            </a:r>
-            <a:r>
-              <a:rPr lang="en-US" sz="1000" dirty="0" err="1">
-                <a:solidFill>
-                  <a:schemeClr val="bg1"/>
-                </a:solidFill>
-              </a:rPr>
-              <a:t>MessageType</a:t>
-            </a:r>
-            <a:r>
-              <a:rPr lang="en-US" sz="1000" dirty="0">
-                <a:solidFill>
-                  <a:schemeClr val="bg1"/>
-                </a:solidFill>
-              </a:rPr>
-              <a:t>&gt;</a:t>
+              <a:t>template&lt;typename MessageType&gt;</a:t>
             </a:r>
           </a:p>
           <a:p>
@@ -23685,47 +23029,7 @@
                   <a:schemeClr val="bg1"/>
                 </a:solidFill>
               </a:rPr>
-              <a:t>Observable&lt;</a:t>
-            </a:r>
-            <a:r>
-              <a:rPr lang="en-US" sz="1000" dirty="0" err="1">
-                <a:solidFill>
-                  <a:schemeClr val="bg1"/>
-                </a:solidFill>
-              </a:rPr>
-              <a:t>MessageType</a:t>
-            </a:r>
-            <a:r>
-              <a:rPr lang="en-US" sz="1000" dirty="0">
-                <a:solidFill>
-                  <a:schemeClr val="bg1"/>
-                </a:solidFill>
-              </a:rPr>
-              <a:t>, </a:t>
-            </a:r>
-            <a:r>
-              <a:rPr lang="en-US" sz="1000" dirty="0" err="1">
-                <a:solidFill>
-                  <a:schemeClr val="bg1"/>
-                </a:solidFill>
-              </a:rPr>
-              <a:t>MessageBus</a:t>
-            </a:r>
-            <a:r>
-              <a:rPr lang="en-US" sz="1000" dirty="0">
-                <a:solidFill>
-                  <a:schemeClr val="bg1"/>
-                </a:solidFill>
-              </a:rPr>
-              <a:t>&gt;&amp; </a:t>
-            </a:r>
-            <a:r>
-              <a:rPr lang="en-US" sz="1000" dirty="0" err="1" smtClean="0">
-                <a:solidFill>
-                  <a:schemeClr val="bg1"/>
-                </a:solidFill>
-              </a:rPr>
-              <a:t>MessageBus</a:t>
+              <a:t>Observable&lt;MessageType, MessageBus&gt;&amp; </a:t>
             </a:r>
             <a:r>
               <a:rPr lang="en-US" sz="1000" dirty="0" smtClean="0">
@@ -23733,23 +23037,7 @@
                   <a:schemeClr val="bg1"/>
                 </a:solidFill>
               </a:rPr>
-              <a:t>::</a:t>
-            </a:r>
-            <a:r>
-              <a:rPr lang="en-US" sz="1000" dirty="0" err="1" smtClean="0">
-                <a:solidFill>
-                  <a:schemeClr val="bg1"/>
-                </a:solidFill>
-              </a:rPr>
-              <a:t>GetObservable</a:t>
-            </a:r>
-            <a:r>
-              <a:rPr lang="en-US" sz="1000" dirty="0" smtClean="0">
-                <a:solidFill>
-                  <a:schemeClr val="bg1"/>
-                </a:solidFill>
-              </a:rPr>
-              <a:t>(</a:t>
+              <a:t>MessageBus::GetObservable(</a:t>
             </a:r>
             <a:r>
               <a:rPr lang="en-US" sz="1000" dirty="0">
@@ -23777,47 +23065,7 @@
                   <a:schemeClr val="bg1"/>
                 </a:solidFill>
               </a:rPr>
-              <a:t>    static Observable&lt;</a:t>
-            </a:r>
-            <a:r>
-              <a:rPr lang="en-US" sz="1000" dirty="0" err="1">
-                <a:solidFill>
-                  <a:schemeClr val="bg1"/>
-                </a:solidFill>
-              </a:rPr>
-              <a:t>MessageType</a:t>
-            </a:r>
-            <a:r>
-              <a:rPr lang="en-US" sz="1000" dirty="0">
-                <a:solidFill>
-                  <a:schemeClr val="bg1"/>
-                </a:solidFill>
-              </a:rPr>
-              <a:t>, </a:t>
-            </a:r>
-            <a:r>
-              <a:rPr lang="en-US" sz="1000" dirty="0" err="1">
-                <a:solidFill>
-                  <a:schemeClr val="bg1"/>
-                </a:solidFill>
-              </a:rPr>
-              <a:t>MessageBus</a:t>
-            </a:r>
-            <a:r>
-              <a:rPr lang="en-US" sz="1000" dirty="0">
-                <a:solidFill>
-                  <a:schemeClr val="bg1"/>
-                </a:solidFill>
-              </a:rPr>
-              <a:t>&gt; </a:t>
-            </a:r>
-            <a:r>
-              <a:rPr lang="en-US" sz="1000" dirty="0" err="1" smtClean="0">
-                <a:solidFill>
-                  <a:schemeClr val="bg1"/>
-                </a:solidFill>
-              </a:rPr>
-              <a:t>s_observable</a:t>
+              <a:t>    static Observable&lt;MessageType, MessageBus&gt; </a:t>
             </a:r>
             <a:r>
               <a:rPr lang="en-US" sz="1000" dirty="0" smtClean="0">
@@ -23825,7 +23073,7 @@
                   <a:schemeClr val="bg1"/>
                 </a:solidFill>
               </a:rPr>
-              <a:t>;</a:t>
+              <a:t>s_observable;</a:t>
             </a:r>
             <a:endParaRPr lang="en-US" sz="1000" dirty="0">
               <a:solidFill>
@@ -23840,23 +23088,7 @@
                   <a:schemeClr val="bg1"/>
                 </a:solidFill>
               </a:rPr>
-              <a:t>    return </a:t>
-            </a:r>
-            <a:r>
-              <a:rPr lang="en-US" sz="1000" dirty="0" err="1">
-                <a:solidFill>
-                  <a:schemeClr val="bg1"/>
-                </a:solidFill>
-              </a:rPr>
-              <a:t>s_observables</a:t>
-            </a:r>
-            <a:r>
-              <a:rPr lang="en-US" sz="1000" dirty="0">
-                <a:solidFill>
-                  <a:schemeClr val="bg1"/>
-                </a:solidFill>
-              </a:rPr>
-              <a:t>;</a:t>
+              <a:t>    return s_observables;</a:t>
             </a:r>
           </a:p>
           <a:p>
@@ -25053,61 +24285,13 @@
           <a:p>
             <a:r>
               <a:rPr lang="fi-FI" sz="1000" dirty="0"/>
-              <a:t> </a:t>
-            </a:r>
-            <a:r>
-              <a:rPr lang="fi-FI" sz="1000" dirty="0" err="1"/>
-              <a:t>private</a:t>
-            </a:r>
-            <a:r>
-              <a:rPr lang="fi-FI" sz="1000" dirty="0"/>
-              <a:t>:</a:t>
+              <a:t> private:</a:t>
             </a:r>
           </a:p>
           <a:p>
             <a:r>
               <a:rPr lang="fi-FI" sz="1000" dirty="0"/>
-              <a:t>            </a:t>
-            </a:r>
-            <a:r>
-              <a:rPr lang="fi-FI" sz="1000" dirty="0" err="1"/>
-              <a:t>using</a:t>
-            </a:r>
-            <a:r>
-              <a:rPr lang="fi-FI" sz="1000" dirty="0"/>
-              <a:t> </a:t>
-            </a:r>
-            <a:r>
-              <a:rPr lang="fi-FI" sz="1000" dirty="0" err="1"/>
-              <a:t>ObservablePtr</a:t>
-            </a:r>
-            <a:r>
-              <a:rPr lang="fi-FI" sz="1000" dirty="0"/>
-              <a:t> = </a:t>
-            </a:r>
-            <a:r>
-              <a:rPr lang="fi-FI" sz="1000" dirty="0" err="1"/>
-              <a:t>std::unique_ptr</a:t>
-            </a:r>
-            <a:r>
-              <a:rPr lang="fi-FI" sz="1000" dirty="0"/>
-              <a:t>&lt;</a:t>
-            </a:r>
-            <a:r>
-              <a:rPr lang="fi-FI" sz="1000" dirty="0" err="1"/>
-              <a:t>void</a:t>
-            </a:r>
-            <a:r>
-              <a:rPr lang="fi-FI" sz="1000" dirty="0"/>
-              <a:t>, </a:t>
-            </a:r>
-            <a:r>
-              <a:rPr lang="fi-FI" sz="1000" dirty="0" err="1"/>
-              <a:t>void(*)(void</a:t>
-            </a:r>
-            <a:r>
-              <a:rPr lang="fi-FI" sz="1000" dirty="0"/>
-              <a:t>*)&gt;</a:t>
+              <a:t>            using ObservablePtr = std::unique_ptr&lt;void, void(*)(void*)&gt;</a:t>
             </a:r>
             <a:r>
               <a:rPr lang="fi-FI" sz="1000" dirty="0" smtClean="0"/>
@@ -25124,53 +24308,13 @@
           <a:p>
             <a:r>
               <a:rPr lang="fi-FI" sz="1000" dirty="0"/>
-              <a:t> </a:t>
-            </a:r>
-            <a:r>
-              <a:rPr lang="fi-FI" sz="1000" dirty="0" err="1"/>
-              <a:t>private</a:t>
-            </a:r>
-            <a:r>
-              <a:rPr lang="fi-FI" sz="1000" dirty="0"/>
-              <a:t>:</a:t>
+              <a:t> private:</a:t>
             </a:r>
           </a:p>
           <a:p>
             <a:r>
               <a:rPr lang="fi-FI" sz="1000" dirty="0"/>
-              <a:t>            </a:t>
-            </a:r>
-            <a:r>
-              <a:rPr lang="fi-FI" sz="1000" dirty="0" err="1"/>
-              <a:t>std::unordered_map</a:t>
-            </a:r>
-            <a:r>
-              <a:rPr lang="fi-FI" sz="1000" dirty="0"/>
-              <a:t>&lt;</a:t>
-            </a:r>
-            <a:r>
-              <a:rPr lang="fi-FI" sz="1000" dirty="0" err="1"/>
-              <a:t>size_t</a:t>
-            </a:r>
-            <a:r>
-              <a:rPr lang="fi-FI" sz="1000" dirty="0"/>
-              <a:t>, </a:t>
-            </a:r>
-            <a:r>
-              <a:rPr lang="fi-FI" sz="1000" dirty="0" err="1"/>
-              <a:t>ObservablePtr</a:t>
-            </a:r>
-            <a:r>
-              <a:rPr lang="fi-FI" sz="1000" dirty="0"/>
-              <a:t>&gt;   </a:t>
-            </a:r>
-            <a:r>
-              <a:rPr lang="fi-FI" sz="1000" dirty="0" err="1"/>
-              <a:t>m_observables</a:t>
-            </a:r>
-            <a:r>
-              <a:rPr lang="fi-FI" sz="1000" dirty="0"/>
-              <a:t>;</a:t>
+              <a:t>            std::unordered_map&lt;size_t, ObservablePtr&gt;   m_observables;</a:t>
             </a:r>
             <a:endParaRPr lang="en-US" sz="1000" dirty="0">
               <a:solidFill>
@@ -25430,23 +24574,7 @@
           <a:p>
             <a:r>
               <a:rPr lang="en-US" sz="1000" dirty="0" smtClean="0"/>
-              <a:t>template&lt;</a:t>
-            </a:r>
-            <a:r>
-              <a:rPr lang="en-US" sz="1000" dirty="0" err="1" smtClean="0"/>
-              <a:t>typename</a:t>
-            </a:r>
-            <a:r>
-              <a:rPr lang="en-US" sz="1000" dirty="0" smtClean="0"/>
-              <a:t> </a:t>
-            </a:r>
-            <a:r>
-              <a:rPr lang="en-US" sz="1000" dirty="0" err="1" smtClean="0"/>
-              <a:t>MessageType</a:t>
-            </a:r>
-            <a:r>
-              <a:rPr lang="en-US" sz="1000" dirty="0" smtClean="0"/>
-              <a:t>&gt;</a:t>
+              <a:t>template&lt;typename MessageType&gt;</a:t>
             </a:r>
           </a:p>
           <a:p>
@@ -25456,39 +24584,7 @@
             </a:r>
             <a:r>
               <a:rPr lang="en-US" sz="1000" dirty="0"/>
-              <a:t>&lt;</a:t>
-            </a:r>
-            <a:r>
-              <a:rPr lang="en-US" sz="1000" dirty="0" err="1"/>
-              <a:t>MessageType</a:t>
-            </a:r>
-            <a:r>
-              <a:rPr lang="en-US" sz="1000" dirty="0"/>
-              <a:t>, </a:t>
-            </a:r>
-            <a:r>
-              <a:rPr lang="en-US" sz="1000" dirty="0" err="1"/>
-              <a:t>MessageBus</a:t>
-            </a:r>
-            <a:r>
-              <a:rPr lang="en-US" sz="1000" dirty="0"/>
-              <a:t>&gt;* </a:t>
-            </a:r>
-            <a:r>
-              <a:rPr lang="en-US" sz="1000" dirty="0" err="1"/>
-              <a:t>MessageBus</a:t>
-            </a:r>
-            <a:r>
-              <a:rPr lang="en-US" sz="1000" dirty="0"/>
-              <a:t>::</a:t>
-            </a:r>
-            <a:r>
-              <a:rPr lang="en-US" sz="1000" dirty="0" err="1"/>
-              <a:t>GetObservable</a:t>
-            </a:r>
-            <a:r>
-              <a:rPr lang="en-US" sz="1000" dirty="0"/>
-              <a:t>()</a:t>
+              <a:t>&lt;MessageType, MessageBus&gt;* MessageBus::GetObservable()</a:t>
             </a:r>
           </a:p>
           <a:p>
@@ -25505,31 +24601,7 @@
             </a:r>
             <a:r>
               <a:rPr lang="en-US" sz="1000" dirty="0"/>
-              <a:t>using </a:t>
-            </a:r>
-            <a:r>
-              <a:rPr lang="en-US" sz="1000" dirty="0" err="1"/>
-              <a:t>ObservableType</a:t>
-            </a:r>
-            <a:r>
-              <a:rPr lang="en-US" sz="1000" dirty="0"/>
-              <a:t> = Observable&lt;</a:t>
-            </a:r>
-            <a:r>
-              <a:rPr lang="en-US" sz="1000" dirty="0" err="1"/>
-              <a:t>MessageType</a:t>
-            </a:r>
-            <a:r>
-              <a:rPr lang="en-US" sz="1000" dirty="0"/>
-              <a:t>, </a:t>
-            </a:r>
-            <a:r>
-              <a:rPr lang="en-US" sz="1000" dirty="0" err="1"/>
-              <a:t>MessageBus</a:t>
-            </a:r>
-            <a:r>
-              <a:rPr lang="en-US" sz="1000" dirty="0"/>
-              <a:t>&gt;;</a:t>
+              <a:t>using ObservableType = Observable&lt;MessageType, MessageBus&gt;;</a:t>
             </a:r>
           </a:p>
           <a:p>
@@ -25539,31 +24611,7 @@
             </a:r>
             <a:r>
               <a:rPr lang="en-US" sz="1000" dirty="0"/>
-              <a:t>auto it = </a:t>
-            </a:r>
-            <a:r>
-              <a:rPr lang="en-US" sz="1000" dirty="0" err="1"/>
-              <a:t>m_observables.find</a:t>
-            </a:r>
-            <a:r>
-              <a:rPr lang="en-US" sz="1000" dirty="0"/>
-              <a:t>(</a:t>
-            </a:r>
-            <a:r>
-              <a:rPr lang="en-US" sz="1000" dirty="0" err="1"/>
-              <a:t>TypeID</a:t>
-            </a:r>
-            <a:r>
-              <a:rPr lang="en-US" sz="1000" dirty="0"/>
-              <a:t>&lt;</a:t>
-            </a:r>
-            <a:r>
-              <a:rPr lang="en-US" sz="1000" dirty="0" err="1"/>
-              <a:t>MessageType</a:t>
-            </a:r>
-            <a:r>
-              <a:rPr lang="en-US" sz="1000" dirty="0"/>
-              <a:t>&gt;::value());</a:t>
+              <a:t>auto it = m_observables.find(TypeID&lt;MessageType&gt;::value());</a:t>
             </a:r>
           </a:p>
           <a:p>
@@ -25576,15 +24624,7 @@
             </a:r>
             <a:r>
               <a:rPr lang="en-US" sz="1000" dirty="0"/>
-              <a:t>if(it == </a:t>
-            </a:r>
-            <a:r>
-              <a:rPr lang="en-US" sz="1000" dirty="0" err="1"/>
-              <a:t>m_observables.end</a:t>
-            </a:r>
-            <a:r>
-              <a:rPr lang="en-US" sz="1000" dirty="0"/>
-              <a:t>())</a:t>
+              <a:t>if(it == m_observables.end())</a:t>
             </a:r>
           </a:p>
           <a:p>
@@ -25611,60 +24651,8 @@
               <a:t>       </a:t>
             </a:r>
             <a:r>
-              <a:rPr lang="en-US" sz="1000" dirty="0" err="1"/>
-              <a:t>m_observables.emplace</a:t>
-            </a:r>
-            <a:r>
               <a:rPr lang="en-US" sz="1000" dirty="0"/>
-              <a:t>(</a:t>
-            </a:r>
-            <a:r>
-              <a:rPr lang="en-US" sz="1000" dirty="0" err="1"/>
-              <a:t>TypeID</a:t>
-            </a:r>
-            <a:r>
-              <a:rPr lang="en-US" sz="1000" dirty="0"/>
-              <a:t>&lt;</a:t>
-            </a:r>
-            <a:r>
-              <a:rPr lang="en-US" sz="1000" dirty="0" err="1"/>
-              <a:t>MessageType</a:t>
-            </a:r>
-            <a:r>
-              <a:rPr lang="en-US" sz="1000" dirty="0"/>
-              <a:t>&gt;::value(), </a:t>
-            </a:r>
-            <a:r>
-              <a:rPr lang="en-US" sz="1000" dirty="0" err="1"/>
-              <a:t>ObservablePtr</a:t>
-            </a:r>
-            <a:r>
-              <a:rPr lang="en-US" sz="1000" dirty="0"/>
-              <a:t>(new </a:t>
-            </a:r>
-            <a:r>
-              <a:rPr lang="en-US" sz="1000" dirty="0" err="1"/>
-              <a:t>ObservableType</a:t>
-            </a:r>
-            <a:r>
-              <a:rPr lang="en-US" sz="1000" dirty="0"/>
-              <a:t>(), [](void* observable){delete </a:t>
-            </a:r>
-            <a:r>
-              <a:rPr lang="en-US" sz="1000" dirty="0" err="1"/>
-              <a:t>static_cast</a:t>
-            </a:r>
-            <a:r>
-              <a:rPr lang="en-US" sz="1000" dirty="0"/>
-              <a:t>&lt;</a:t>
-            </a:r>
-            <a:r>
-              <a:rPr lang="en-US" sz="1000" dirty="0" err="1"/>
-              <a:t>ObservableType</a:t>
-            </a:r>
-            <a:r>
-              <a:rPr lang="en-US" sz="1000" dirty="0"/>
-              <a:t>*&gt;(observable);}));</a:t>
+              <a:t>m_observables.emplace(TypeID&lt;MessageType&gt;::value(), ObservablePtr(new ObservableType(), [](void* observable){delete static_cast&lt;ObservableType*&gt;(observable);}));</a:t>
             </a:r>
           </a:p>
           <a:p>
@@ -25678,31 +24666,7 @@
             </a:r>
             <a:r>
               <a:rPr lang="en-US" sz="1000" dirty="0"/>
-              <a:t>it = </a:t>
-            </a:r>
-            <a:r>
-              <a:rPr lang="en-US" sz="1000" dirty="0" err="1"/>
-              <a:t>m_observables.find</a:t>
-            </a:r>
-            <a:r>
-              <a:rPr lang="en-US" sz="1000" dirty="0"/>
-              <a:t>(</a:t>
-            </a:r>
-            <a:r>
-              <a:rPr lang="en-US" sz="1000" dirty="0" err="1"/>
-              <a:t>TypeID</a:t>
-            </a:r>
-            <a:r>
-              <a:rPr lang="en-US" sz="1000" dirty="0"/>
-              <a:t>&lt;</a:t>
-            </a:r>
-            <a:r>
-              <a:rPr lang="en-US" sz="1000" dirty="0" err="1"/>
-              <a:t>MessageType</a:t>
-            </a:r>
-            <a:r>
-              <a:rPr lang="en-US" sz="1000" dirty="0"/>
-              <a:t>&gt;::value());</a:t>
+              <a:t>it = m_observables.find(TypeID&lt;MessageType&gt;::value());</a:t>
             </a:r>
           </a:p>
           <a:p>
@@ -25733,31 +24697,7 @@
             </a:r>
             <a:r>
               <a:rPr lang="en-US" sz="1000" dirty="0"/>
-              <a:t>return </a:t>
-            </a:r>
-            <a:r>
-              <a:rPr lang="en-US" sz="1000" dirty="0" err="1"/>
-              <a:t>static_cast</a:t>
-            </a:r>
-            <a:r>
-              <a:rPr lang="en-US" sz="1000" dirty="0"/>
-              <a:t>&lt;</a:t>
-            </a:r>
-            <a:r>
-              <a:rPr lang="en-US" sz="1000" dirty="0" err="1"/>
-              <a:t>ObservableType</a:t>
-            </a:r>
-            <a:r>
-              <a:rPr lang="en-US" sz="1000" dirty="0"/>
-              <a:t>*&gt;(it-&gt;</a:t>
-            </a:r>
-            <a:r>
-              <a:rPr lang="en-US" sz="1000" dirty="0" err="1"/>
-              <a:t>second.get</a:t>
-            </a:r>
-            <a:r>
-              <a:rPr lang="en-US" sz="1000" dirty="0"/>
-              <a:t>());</a:t>
+              <a:t>return static_cast&lt;ObservableType*&gt;(it-&gt;second.get());</a:t>
             </a:r>
           </a:p>
           <a:p>
@@ -25965,15 +24905,7 @@
           <a:p>
             <a:r>
               <a:rPr lang="en-US" dirty="0" smtClean="0"/>
-              <a:t>Changes only in </a:t>
-            </a:r>
-            <a:r>
-              <a:rPr lang="en-US" dirty="0" err="1" smtClean="0"/>
-              <a:t>GetObservable</a:t>
-            </a:r>
-            <a:r>
-              <a:rPr lang="en-US" dirty="0" smtClean="0"/>
-              <a:t>:</a:t>
+              <a:t>Changes only in GetObservable:</a:t>
             </a:r>
             <a:endParaRPr lang="en-US" dirty="0"/>
           </a:p>
@@ -26840,15 +25772,7 @@
           <a:p>
             <a:r>
               <a:rPr lang="en-US" dirty="0" smtClean="0"/>
-              <a:t>More difficult to use – one has to pass the </a:t>
-            </a:r>
-            <a:r>
-              <a:rPr lang="en-US" dirty="0" err="1" smtClean="0"/>
-              <a:t>MessageBus</a:t>
-            </a:r>
-            <a:r>
-              <a:rPr lang="en-US" dirty="0" smtClean="0"/>
-              <a:t> instance to all interested objects.</a:t>
+              <a:t>More difficult to use – one has to pass the MessageBus instance to all interested objects.</a:t>
             </a:r>
           </a:p>
         </p:txBody>
@@ -26959,20 +25883,8 @@
           <a:lstStyle/>
           <a:p>
             <a:r>
-              <a:rPr lang="en-US" sz="900" dirty="0" err="1"/>
-              <a:t>MessageBus</a:t>
-            </a:r>
-            <a:r>
               <a:rPr lang="en-US" sz="900" dirty="0"/>
-              <a:t> </a:t>
-            </a:r>
-            <a:r>
-              <a:rPr lang="en-US" sz="900" dirty="0" err="1"/>
-              <a:t>global_message_buss</a:t>
-            </a:r>
-            <a:r>
-              <a:rPr lang="en-US" sz="900" dirty="0"/>
-              <a:t>;</a:t>
+              <a:t>MessageBus global_message_buss;</a:t>
             </a:r>
           </a:p>
           <a:p>
@@ -26980,18 +25892,9 @@
           </a:p>
           <a:p>
             <a:r>
-              <a:rPr lang="en-US" sz="900" dirty="0" err="1"/>
-              <a:t>struct</a:t>
+              <a:rPr lang="en-US" sz="900" dirty="0"/>
+              <a:t>struct MyEvent</a:t>
             </a:r>
-            <a:r>
-              <a:rPr lang="en-US" sz="900" dirty="0"/>
-              <a:t> </a:t>
-            </a:r>
-            <a:r>
-              <a:rPr lang="en-US" sz="900" dirty="0" err="1"/>
-              <a:t>MyEvent</a:t>
-            </a:r>
-            <a:endParaRPr lang="en-US" sz="900" dirty="0"/>
           </a:p>
           <a:p>
             <a:r>
@@ -27002,23 +25905,7 @@
           <a:p>
             <a:r>
               <a:rPr lang="en-US" sz="900" dirty="0"/>
-              <a:t>    </a:t>
-            </a:r>
-            <a:r>
-              <a:rPr lang="en-US" sz="900" dirty="0" err="1"/>
-              <a:t>int</a:t>
-            </a:r>
-            <a:r>
-              <a:rPr lang="en-US" sz="900" dirty="0"/>
-              <a:t> </a:t>
-            </a:r>
-            <a:r>
-              <a:rPr lang="en-US" sz="900" dirty="0" err="1"/>
-              <a:t>myProperty</a:t>
-            </a:r>
-            <a:r>
-              <a:rPr lang="en-US" sz="900" dirty="0"/>
-              <a:t>;</a:t>
+              <a:t>    int myProperty;</a:t>
             </a:r>
           </a:p>
           <a:p>
@@ -27033,13 +25920,8 @@
           <a:p>
             <a:r>
               <a:rPr lang="en-US" sz="900" dirty="0"/>
-              <a:t>class </a:t>
+              <a:t>class MyListener</a:t>
             </a:r>
-            <a:r>
-              <a:rPr lang="en-US" sz="900" dirty="0" err="1"/>
-              <a:t>MyListener</a:t>
-            </a:r>
-            <a:endParaRPr lang="en-US" sz="900" dirty="0"/>
           </a:p>
           <a:p>
             <a:r>
@@ -27056,61 +25938,13 @@
           <a:p>
             <a:r>
               <a:rPr lang="es-ES_tradnl" sz="900" dirty="0"/>
-              <a:t>        </a:t>
-            </a:r>
-            <a:r>
-              <a:rPr lang="es-ES_tradnl" sz="900" dirty="0" err="1"/>
-              <a:t>MyListener</a:t>
-            </a:r>
-            <a:r>
-              <a:rPr lang="es-ES_tradnl" sz="900" dirty="0"/>
-              <a:t>()</a:t>
+              <a:t>        MyListener()</a:t>
             </a:r>
           </a:p>
           <a:p>
             <a:r>
               <a:rPr lang="es-ES_tradnl" sz="900" dirty="0"/>
-              <a:t>            : </a:t>
-            </a:r>
-            <a:r>
-              <a:rPr lang="es-ES_tradnl" sz="900" dirty="0" err="1"/>
-              <a:t>myConnection</a:t>
-            </a:r>
-            <a:r>
-              <a:rPr lang="es-ES_tradnl" sz="900" dirty="0"/>
-              <a:t>(</a:t>
-            </a:r>
-            <a:r>
-              <a:rPr lang="es-ES_tradnl" sz="900" dirty="0" err="1"/>
-              <a:t>global_message_buss.RegisterObserver</a:t>
-            </a:r>
-            <a:r>
-              <a:rPr lang="es-ES_tradnl" sz="900" dirty="0"/>
-              <a:t>(</a:t>
-            </a:r>
-            <a:r>
-              <a:rPr lang="es-ES_tradnl" sz="900" dirty="0" err="1"/>
-              <a:t>this</a:t>
-            </a:r>
-            <a:r>
-              <a:rPr lang="es-ES_tradnl" sz="900" dirty="0"/>
-              <a:t>, &amp;</a:t>
-            </a:r>
-            <a:r>
-              <a:rPr lang="es-ES_tradnl" sz="900" dirty="0" err="1"/>
-              <a:t>MyListener</a:t>
-            </a:r>
-            <a:r>
-              <a:rPr lang="es-ES_tradnl" sz="900" dirty="0"/>
-              <a:t>::</a:t>
-            </a:r>
-            <a:r>
-              <a:rPr lang="es-ES_tradnl" sz="900" dirty="0" err="1"/>
-              <a:t>OnMyEvent</a:t>
-            </a:r>
-            <a:r>
-              <a:rPr lang="es-ES_tradnl" sz="900" dirty="0"/>
-              <a:t>))</a:t>
+              <a:t>            : myConnection(global_message_buss.RegisterObserver(this, &amp;MyListener::OnMyEvent))</a:t>
             </a:r>
           </a:p>
           <a:p>
@@ -27131,61 +25965,13 @@
           <a:p>
             <a:r>
               <a:rPr lang="es-ES_tradnl" sz="900" dirty="0"/>
-              <a:t>    </a:t>
-            </a:r>
-            <a:r>
-              <a:rPr lang="es-ES_tradnl" sz="900" dirty="0" err="1"/>
-              <a:t>private</a:t>
-            </a:r>
-            <a:r>
-              <a:rPr lang="es-ES_tradnl" sz="900" dirty="0"/>
-              <a:t>:</a:t>
+              <a:t>    private:</a:t>
             </a:r>
           </a:p>
           <a:p>
             <a:r>
               <a:rPr lang="es-ES_tradnl" sz="900" dirty="0"/>
-              <a:t>        </a:t>
-            </a:r>
-            <a:r>
-              <a:rPr lang="es-ES_tradnl" sz="900" dirty="0" err="1"/>
-              <a:t>void</a:t>
-            </a:r>
-            <a:r>
-              <a:rPr lang="es-ES_tradnl" sz="900" dirty="0"/>
-              <a:t> </a:t>
-            </a:r>
-            <a:r>
-              <a:rPr lang="es-ES_tradnl" sz="900" dirty="0" err="1"/>
-              <a:t>OnMyEvent</a:t>
-            </a:r>
-            <a:r>
-              <a:rPr lang="es-ES_tradnl" sz="900" dirty="0"/>
-              <a:t>(</a:t>
-            </a:r>
-            <a:r>
-              <a:rPr lang="es-ES_tradnl" sz="900" dirty="0" err="1"/>
-              <a:t>const</a:t>
-            </a:r>
-            <a:r>
-              <a:rPr lang="es-ES_tradnl" sz="900" dirty="0"/>
-              <a:t> </a:t>
-            </a:r>
-            <a:r>
-              <a:rPr lang="es-ES_tradnl" sz="900" dirty="0" err="1"/>
-              <a:t>MyEvent</a:t>
-            </a:r>
-            <a:r>
-              <a:rPr lang="es-ES_tradnl" sz="900" dirty="0"/>
-              <a:t>&amp; </a:t>
-            </a:r>
-            <a:r>
-              <a:rPr lang="es-ES_tradnl" sz="900" dirty="0" err="1"/>
-              <a:t>event</a:t>
-            </a:r>
-            <a:r>
-              <a:rPr lang="es-ES_tradnl" sz="900" dirty="0"/>
-              <a:t>)</a:t>
+              <a:t>        void OnMyEvent(const MyEvent&amp; event)</a:t>
             </a:r>
           </a:p>
           <a:p>
@@ -27197,55 +25983,7 @@
           <a:p>
             <a:r>
               <a:rPr lang="es-ES_tradnl" sz="900" dirty="0"/>
-              <a:t>            </a:t>
-            </a:r>
-            <a:r>
-              <a:rPr lang="es-ES_tradnl" sz="900" dirty="0" err="1"/>
-              <a:t>std</a:t>
-            </a:r>
-            <a:r>
-              <a:rPr lang="es-ES_tradnl" sz="900" dirty="0"/>
-              <a:t>::</a:t>
-            </a:r>
-            <a:r>
-              <a:rPr lang="es-ES_tradnl" sz="900" dirty="0" err="1"/>
-              <a:t>cout</a:t>
-            </a:r>
-            <a:r>
-              <a:rPr lang="es-ES_tradnl" sz="900" dirty="0"/>
-              <a:t>&lt;&lt;"</a:t>
-            </a:r>
-            <a:r>
-              <a:rPr lang="es-ES_tradnl" sz="900" dirty="0" err="1"/>
-              <a:t>MyEvent</a:t>
-            </a:r>
-            <a:r>
-              <a:rPr lang="es-ES_tradnl" sz="900" dirty="0"/>
-              <a:t>: "&lt;&lt;</a:t>
-            </a:r>
-            <a:r>
-              <a:rPr lang="es-ES_tradnl" sz="900" dirty="0" err="1"/>
-              <a:t>event.myProperty</a:t>
-            </a:r>
-            <a:r>
-              <a:rPr lang="es-ES_tradnl" sz="900" dirty="0"/>
-              <a:t>&lt;&lt;</a:t>
-            </a:r>
-            <a:r>
-              <a:rPr lang="es-ES_tradnl" sz="900" dirty="0" err="1"/>
-              <a:t>std</a:t>
-            </a:r>
-            <a:r>
-              <a:rPr lang="es-ES_tradnl" sz="900" dirty="0"/>
-              <a:t>::</a:t>
-            </a:r>
-            <a:r>
-              <a:rPr lang="es-ES_tradnl" sz="900" dirty="0" err="1"/>
-              <a:t>endl</a:t>
-            </a:r>
-            <a:r>
-              <a:rPr lang="es-ES_tradnl" sz="900" dirty="0"/>
-              <a:t>;</a:t>
+              <a:t>            std::cout&lt;&lt;"MyEvent: "&lt;&lt;event.myProperty&lt;&lt;std::endl;</a:t>
             </a:r>
           </a:p>
           <a:p>
@@ -27260,37 +25998,13 @@
           <a:p>
             <a:r>
               <a:rPr lang="es-ES_tradnl" sz="900" dirty="0"/>
-              <a:t>    </a:t>
-            </a:r>
-            <a:r>
-              <a:rPr lang="es-ES_tradnl" sz="900" dirty="0" err="1"/>
-              <a:t>private</a:t>
-            </a:r>
-            <a:r>
-              <a:rPr lang="es-ES_tradnl" sz="900" dirty="0"/>
-              <a:t>:</a:t>
+              <a:t>    private:</a:t>
             </a:r>
           </a:p>
           <a:p>
             <a:r>
               <a:rPr lang="es-ES_tradnl" sz="900" dirty="0"/>
-              <a:t>        </a:t>
-            </a:r>
-            <a:r>
-              <a:rPr lang="es-ES_tradnl" sz="900" dirty="0" err="1"/>
-              <a:t>Connection</a:t>
-            </a:r>
-            <a:r>
-              <a:rPr lang="es-ES_tradnl" sz="900" dirty="0"/>
-              <a:t> </a:t>
-            </a:r>
-            <a:r>
-              <a:rPr lang="es-ES_tradnl" sz="900" dirty="0" err="1"/>
-              <a:t>myConnection</a:t>
-            </a:r>
-            <a:r>
-              <a:rPr lang="es-ES_tradnl" sz="900" dirty="0"/>
-              <a:t>;</a:t>
+              <a:t>        Connection myConnection;</a:t>
             </a:r>
           </a:p>
           <a:p>
@@ -27304,20 +26018,8 @@
           </a:p>
           <a:p>
             <a:r>
-              <a:rPr lang="es-ES_tradnl" sz="900" dirty="0" err="1"/>
-              <a:t>void</a:t>
-            </a:r>
-            <a:r>
               <a:rPr lang="es-ES_tradnl" sz="900" dirty="0"/>
-              <a:t> </a:t>
-            </a:r>
-            <a:r>
-              <a:rPr lang="es-ES_tradnl" sz="900" dirty="0" err="1"/>
-              <a:t>Test_MessageBus</a:t>
-            </a:r>
-            <a:r>
-              <a:rPr lang="es-ES_tradnl" sz="900" dirty="0"/>
-              <a:t>()</a:t>
+              <a:t>void Test_MessageBus()</a:t>
             </a:r>
           </a:p>
           <a:p>
@@ -27335,23 +26037,7 @@
           <a:p>
             <a:r>
               <a:rPr lang="es-ES_tradnl" sz="900" dirty="0"/>
-              <a:t>        </a:t>
-            </a:r>
-            <a:r>
-              <a:rPr lang="es-ES_tradnl" sz="900" dirty="0" err="1"/>
-              <a:t>MyListener</a:t>
-            </a:r>
-            <a:r>
-              <a:rPr lang="es-ES_tradnl" sz="900" dirty="0"/>
-              <a:t> </a:t>
-            </a:r>
-            <a:r>
-              <a:rPr lang="es-ES_tradnl" sz="900" dirty="0" err="1"/>
-              <a:t>listener</a:t>
-            </a:r>
-            <a:r>
-              <a:rPr lang="es-ES_tradnl" sz="900" dirty="0"/>
-              <a:t>;</a:t>
+              <a:t>        MyListener listener;</a:t>
             </a:r>
           </a:p>
           <a:p>
@@ -27360,67 +26046,19 @@
           <a:p>
             <a:r>
               <a:rPr lang="es-ES_tradnl" sz="900" dirty="0"/>
-              <a:t>        </a:t>
-            </a:r>
-            <a:r>
-              <a:rPr lang="es-ES_tradnl" sz="900" dirty="0" err="1"/>
-              <a:t>global_message_buss.PostMessage</a:t>
-            </a:r>
-            <a:r>
-              <a:rPr lang="es-ES_tradnl" sz="900" dirty="0"/>
-              <a:t>(</a:t>
-            </a:r>
-            <a:r>
-              <a:rPr lang="es-ES_tradnl" sz="900" dirty="0" err="1"/>
-              <a:t>MyEvent</a:t>
-            </a:r>
-            <a:r>
-              <a:rPr lang="es-ES_tradnl" sz="900" dirty="0"/>
-              <a:t>{1});</a:t>
+              <a:t>        global_message_buss.PostMessage(MyEvent{1});</a:t>
             </a:r>
           </a:p>
           <a:p>
             <a:r>
               <a:rPr lang="es-ES_tradnl" sz="900" dirty="0"/>
-              <a:t>        </a:t>
-            </a:r>
-            <a:r>
-              <a:rPr lang="es-ES_tradnl" sz="900" dirty="0" err="1"/>
-              <a:t>global_message_buss.PostMessage</a:t>
-            </a:r>
-            <a:r>
-              <a:rPr lang="es-ES_tradnl" sz="900" dirty="0"/>
-              <a:t>(</a:t>
-            </a:r>
-            <a:r>
-              <a:rPr lang="es-ES_tradnl" sz="900" dirty="0" err="1"/>
-              <a:t>MyEvent</a:t>
-            </a:r>
-            <a:r>
-              <a:rPr lang="es-ES_tradnl" sz="900" dirty="0"/>
-              <a:t>{2});</a:t>
+              <a:t>        global_message_buss.PostMessage(MyEvent{2});</a:t>
             </a:r>
           </a:p>
           <a:p>
             <a:r>
               <a:rPr lang="es-ES_tradnl" sz="900" dirty="0"/>
-              <a:t>        </a:t>
-            </a:r>
-            <a:r>
-              <a:rPr lang="es-ES_tradnl" sz="900" dirty="0" err="1"/>
-              <a:t>global_message_buss.PostMessage</a:t>
-            </a:r>
-            <a:r>
-              <a:rPr lang="es-ES_tradnl" sz="900" dirty="0"/>
-              <a:t>(</a:t>
-            </a:r>
-            <a:r>
-              <a:rPr lang="es-ES_tradnl" sz="900" dirty="0" err="1"/>
-              <a:t>MyEvent</a:t>
-            </a:r>
-            <a:r>
-              <a:rPr lang="es-ES_tradnl" sz="900" dirty="0"/>
-              <a:t>{3});</a:t>
+              <a:t>        global_message_buss.PostMessage(MyEvent{3});</a:t>
             </a:r>
           </a:p>
           <a:p>
@@ -27435,23 +26073,7 @@
           <a:p>
             <a:r>
               <a:rPr lang="es-ES_tradnl" sz="900" dirty="0"/>
-              <a:t>    </a:t>
-            </a:r>
-            <a:r>
-              <a:rPr lang="es-ES_tradnl" sz="900" dirty="0" err="1"/>
-              <a:t>global_message_buss.PostMessage</a:t>
-            </a:r>
-            <a:r>
-              <a:rPr lang="es-ES_tradnl" sz="900" dirty="0"/>
-              <a:t>(</a:t>
-            </a:r>
-            <a:r>
-              <a:rPr lang="es-ES_tradnl" sz="900" dirty="0" err="1"/>
-              <a:t>MyEvent</a:t>
-            </a:r>
-            <a:r>
-              <a:rPr lang="es-ES_tradnl" sz="900" dirty="0"/>
-              <a:t>{4});</a:t>
+              <a:t>    global_message_buss.PostMessage(MyEvent{4});</a:t>
             </a:r>
           </a:p>
           <a:p>
@@ -31032,12 +29654,8 @@
             <a:lstStyle/>
             <a:p>
               <a:r>
-                <a:rPr lang="en-US" sz="1400" dirty="0" err="1"/>
-                <a:t>struct</a:t>
-              </a:r>
-              <a:r>
                 <a:rPr lang="en-US" sz="1400" dirty="0"/>
-                <a:t> Event</a:t>
+                <a:t>struct Event</a:t>
               </a:r>
             </a:p>
             <a:p>
@@ -31157,12 +29775,8 @@
             <a:lstStyle/>
             <a:p>
               <a:r>
-                <a:rPr lang="en-US" sz="1400" dirty="0" err="1"/>
-                <a:t>struct</a:t>
-              </a:r>
-              <a:r>
                 <a:rPr lang="en-US" sz="1400" dirty="0"/>
-                <a:t> Observer</a:t>
+                <a:t>struct Observer</a:t>
               </a:r>
             </a:p>
             <a:p>
@@ -31180,23 +29794,7 @@
             <a:p>
               <a:r>
                 <a:rPr lang="en-US" sz="1400" dirty="0"/>
-                <a:t>    virtual void </a:t>
-              </a:r>
-              <a:r>
-                <a:rPr lang="en-US" sz="1400" dirty="0" err="1"/>
-                <a:t>OnEvent</a:t>
-              </a:r>
-              <a:r>
-                <a:rPr lang="en-US" sz="1400" dirty="0"/>
-                <a:t>(</a:t>
-              </a:r>
-              <a:r>
-                <a:rPr lang="en-US" sz="1400" dirty="0" err="1"/>
-                <a:t>const</a:t>
-              </a:r>
-              <a:r>
-                <a:rPr lang="en-US" sz="1400" dirty="0"/>
-                <a:t> Event*){...}</a:t>
+                <a:t>    virtual void OnEvent(const Event*){...}</a:t>
               </a:r>
             </a:p>
             <a:p>
@@ -31303,12 +29901,8 @@
             <a:lstStyle/>
             <a:p>
               <a:r>
-                <a:rPr lang="en-US" sz="1400" dirty="0" err="1"/>
-                <a:t>struct</a:t>
-              </a:r>
-              <a:r>
                 <a:rPr lang="en-US" sz="1400" dirty="0"/>
-                <a:t> Observable</a:t>
+                <a:t>struct Observable</a:t>
               </a:r>
             </a:p>
             <a:p>
@@ -31329,29 +29923,13 @@
             <a:p>
               <a:r>
                 <a:rPr lang="en-US" sz="1400" dirty="0"/>
-                <a:t>    void </a:t>
-              </a:r>
-              <a:r>
-                <a:rPr lang="en-US" sz="1400" dirty="0" err="1"/>
-                <a:t>AddObserver</a:t>
-              </a:r>
-              <a:r>
-                <a:rPr lang="en-US" sz="1400" dirty="0"/>
-                <a:t>(Observer*){...}</a:t>
+                <a:t>    void AddObserver(Observer*){...}</a:t>
               </a:r>
             </a:p>
             <a:p>
               <a:r>
                 <a:rPr lang="en-US" sz="1400" dirty="0"/>
-                <a:t>    void </a:t>
-              </a:r>
-              <a:r>
-                <a:rPr lang="en-US" sz="1400" dirty="0" err="1"/>
-                <a:t>RemoveObserver</a:t>
-              </a:r>
-              <a:r>
-                <a:rPr lang="en-US" sz="1400" dirty="0"/>
-                <a:t>(Observer*){...}</a:t>
+                <a:t>    void RemoveObserver(Observer*){...}</a:t>
               </a:r>
             </a:p>
             <a:p>
@@ -31921,35 +30499,14 @@
             <a:p>
               <a:r>
                 <a:rPr lang="en-US" sz="1100" dirty="0"/>
-                <a:t>template&lt;</a:t>
-              </a:r>
-              <a:r>
-                <a:rPr lang="en-US" sz="1100" dirty="0" err="1"/>
-                <a:t>typename</a:t>
-              </a:r>
-              <a:r>
-                <a:rPr lang="en-US" sz="1100" dirty="0"/>
-                <a:t> </a:t>
-              </a:r>
-              <a:r>
-                <a:rPr lang="en-US" sz="1100" dirty="0" err="1"/>
-                <a:t>EventType</a:t>
-              </a:r>
-              <a:r>
-                <a:rPr lang="en-US" sz="1100" dirty="0"/>
-                <a:t>&gt;</a:t>
+                <a:t>template&lt;typename EventType&gt;</a:t>
               </a:r>
             </a:p>
             <a:p>
               <a:r>
                 <a:rPr lang="en-US" sz="1100" dirty="0"/>
-                <a:t>class </a:t>
+                <a:t>class BaseObservable</a:t>
               </a:r>
-              <a:r>
-                <a:rPr lang="en-US" sz="1100" dirty="0" err="1"/>
-                <a:t>BaseObservable</a:t>
-              </a:r>
-              <a:endParaRPr lang="en-US" sz="1100" dirty="0"/>
             </a:p>
             <a:p>
               <a:r>
@@ -32193,61 +30750,13 @@
             <a:p>
               <a:r>
                 <a:rPr lang="en-US" sz="1000" dirty="0"/>
-                <a:t>template&lt;</a:t>
-              </a:r>
-              <a:r>
-                <a:rPr lang="en-US" sz="1000" dirty="0" err="1"/>
-                <a:t>typename</a:t>
-              </a:r>
-              <a:r>
-                <a:rPr lang="en-US" sz="1000" dirty="0"/>
-                <a:t> </a:t>
-              </a:r>
-              <a:r>
-                <a:rPr lang="en-US" sz="1000" dirty="0" err="1"/>
-                <a:t>EventType</a:t>
-              </a:r>
-              <a:r>
-                <a:rPr lang="en-US" sz="1000" dirty="0"/>
-                <a:t>, </a:t>
-              </a:r>
-              <a:r>
-                <a:rPr lang="en-US" sz="1000" dirty="0" err="1"/>
-                <a:t>typename</a:t>
-              </a:r>
-              <a:r>
-                <a:rPr lang="en-US" sz="1000" dirty="0"/>
-                <a:t> </a:t>
-              </a:r>
-              <a:r>
-                <a:rPr lang="en-US" sz="1000" dirty="0" err="1"/>
-                <a:t>Notifier</a:t>
-              </a:r>
-              <a:r>
-                <a:rPr lang="en-US" sz="1000" dirty="0"/>
-                <a:t>&gt;</a:t>
+                <a:t>template&lt;typename EventType, typename Notifier&gt;</a:t>
               </a:r>
             </a:p>
             <a:p>
               <a:r>
                 <a:rPr lang="en-US" sz="1000" dirty="0"/>
-                <a:t>class Observable : private </a:t>
-              </a:r>
-              <a:r>
-                <a:rPr lang="en-US" sz="1000" dirty="0" err="1"/>
-                <a:t>BaseObservable</a:t>
-              </a:r>
-              <a:r>
-                <a:rPr lang="en-US" sz="1000" dirty="0"/>
-                <a:t>&lt;</a:t>
-              </a:r>
-              <a:r>
-                <a:rPr lang="en-US" sz="1000" dirty="0" err="1"/>
-                <a:t>EventType</a:t>
-              </a:r>
-              <a:r>
-                <a:rPr lang="en-US" sz="1000" dirty="0"/>
-                <a:t>&gt;</a:t>
+                <a:t>class Observable : private BaseObservable&lt;EventType&gt;</a:t>
               </a:r>
             </a:p>
             <a:p>
@@ -32265,31 +30774,7 @@
             <a:p>
               <a:r>
                 <a:rPr lang="en-US" sz="1000" dirty="0"/>
-                <a:t>        using </a:t>
-              </a:r>
-              <a:r>
-                <a:rPr lang="en-US" sz="1000" dirty="0" err="1"/>
-                <a:t>BaseObservable</a:t>
-              </a:r>
-              <a:r>
-                <a:rPr lang="en-US" sz="1000" dirty="0"/>
-                <a:t>&lt;</a:t>
-              </a:r>
-              <a:r>
-                <a:rPr lang="en-US" sz="1000" dirty="0" err="1"/>
-                <a:t>EventType</a:t>
-              </a:r>
-              <a:r>
-                <a:rPr lang="en-US" sz="1000" dirty="0"/>
-                <a:t>&gt;::</a:t>
-              </a:r>
-              <a:r>
-                <a:rPr lang="en-US" sz="1000" dirty="0" err="1"/>
-                <a:t>AddObserver</a:t>
-              </a:r>
-              <a:r>
-                <a:rPr lang="en-US" sz="1000" dirty="0"/>
-                <a:t>;</a:t>
+                <a:t>        using BaseObservable&lt;EventType&gt;::AddObserver;</a:t>
               </a:r>
             </a:p>
             <a:p>
@@ -32304,23 +30789,7 @@
             <a:p>
               <a:r>
                 <a:rPr lang="en-US" sz="1000" dirty="0"/>
-                <a:t>        using </a:t>
-              </a:r>
-              <a:r>
-                <a:rPr lang="en-US" sz="1000" dirty="0" err="1"/>
-                <a:t>BaseObservable</a:t>
-              </a:r>
-              <a:r>
-                <a:rPr lang="en-US" sz="1000" dirty="0"/>
-                <a:t>&lt;</a:t>
-              </a:r>
-              <a:r>
-                <a:rPr lang="en-US" sz="1000" dirty="0" err="1"/>
-                <a:t>EventType</a:t>
-              </a:r>
-              <a:r>
-                <a:rPr lang="en-US" sz="1000" dirty="0"/>
-                <a:t>&gt;::operator();</a:t>
+                <a:t>        using BaseObservable&lt;EventType&gt;::operator();</a:t>
               </a:r>
             </a:p>
             <a:p>
@@ -32329,15 +30798,7 @@
             <a:p>
               <a:r>
                 <a:rPr lang="en-US" sz="1000" dirty="0"/>
-                <a:t>    friend </a:t>
-              </a:r>
-              <a:r>
-                <a:rPr lang="en-US" sz="1000" dirty="0" err="1"/>
-                <a:t>Notifier</a:t>
-              </a:r>
-              <a:r>
-                <a:rPr lang="en-US" sz="1000" dirty="0"/>
-                <a:t>;</a:t>
+                <a:t>    friend Notifier;</a:t>
               </a:r>
             </a:p>
             <a:p>
@@ -32547,31 +31008,7 @@
           <a:p>
             <a:r>
               <a:rPr lang="en-US" sz="2000" dirty="0" smtClean="0"/>
-              <a:t>Any callable (convertible to </a:t>
-            </a:r>
-            <a:r>
-              <a:rPr lang="en-US" sz="2000" dirty="0" err="1" smtClean="0"/>
-              <a:t>std</a:t>
-            </a:r>
-            <a:r>
-              <a:rPr lang="en-US" sz="2000" dirty="0" smtClean="0"/>
-              <a:t>::function&lt;void(</a:t>
-            </a:r>
-            <a:r>
-              <a:rPr lang="en-US" sz="2000" dirty="0" err="1" smtClean="0"/>
-              <a:t>const</a:t>
-            </a:r>
-            <a:r>
-              <a:rPr lang="en-US" sz="2000" dirty="0" smtClean="0"/>
-              <a:t> </a:t>
-            </a:r>
-            <a:r>
-              <a:rPr lang="en-US" sz="2000" dirty="0" err="1" smtClean="0"/>
-              <a:t>EventType</a:t>
-            </a:r>
-            <a:r>
-              <a:rPr lang="en-US" sz="2000" dirty="0" smtClean="0"/>
-              <a:t>&amp;)&gt; can be used as observer</a:t>
+              <a:t>Any callable (convertible to std::function&lt;void(const EventType&amp;)&gt; can be used as observer</a:t>
             </a:r>
           </a:p>
           <a:p>
@@ -33691,71 +32128,7 @@
                   <a:schemeClr val="bg1"/>
                 </a:solidFill>
               </a:rPr>
-              <a:t>            using Link = </a:t>
-            </a:r>
-            <a:r>
-              <a:rPr lang="en-US" sz="1000" dirty="0" err="1">
-                <a:solidFill>
-                  <a:schemeClr val="bg1"/>
-                </a:solidFill>
-              </a:rPr>
-              <a:t>std</a:t>
-            </a:r>
-            <a:r>
-              <a:rPr lang="en-US" sz="1000" dirty="0">
-                <a:solidFill>
-                  <a:schemeClr val="bg1"/>
-                </a:solidFill>
-              </a:rPr>
-              <a:t>::pair&lt;</a:t>
-            </a:r>
-            <a:r>
-              <a:rPr lang="en-US" sz="1000" dirty="0" err="1">
-                <a:solidFill>
-                  <a:schemeClr val="bg1"/>
-                </a:solidFill>
-              </a:rPr>
-              <a:t>std</a:t>
-            </a:r>
-            <a:r>
-              <a:rPr lang="en-US" sz="1000" dirty="0">
-                <a:solidFill>
-                  <a:schemeClr val="bg1"/>
-                </a:solidFill>
-              </a:rPr>
-              <a:t>::function&lt;void(</a:t>
-            </a:r>
-            <a:r>
-              <a:rPr lang="en-US" sz="1000" dirty="0" err="1">
-                <a:solidFill>
-                  <a:schemeClr val="bg1"/>
-                </a:solidFill>
-              </a:rPr>
-              <a:t>const</a:t>
-            </a:r>
-            <a:r>
-              <a:rPr lang="en-US" sz="1000" dirty="0">
-                <a:solidFill>
-                  <a:schemeClr val="bg1"/>
-                </a:solidFill>
-              </a:rPr>
-              <a:t> </a:t>
-            </a:r>
-            <a:r>
-              <a:rPr lang="en-US" sz="1000" dirty="0" err="1">
-                <a:solidFill>
-                  <a:schemeClr val="bg1"/>
-                </a:solidFill>
-              </a:rPr>
-              <a:t>EventType</a:t>
-            </a:r>
-            <a:r>
-              <a:rPr lang="en-US" sz="1000" dirty="0">
-                <a:solidFill>
-                  <a:schemeClr val="bg1"/>
-                </a:solidFill>
-              </a:rPr>
-              <a:t>&amp;)&gt;, Connection*&gt;</a:t>
+              <a:t>            using Link = std::pair&lt;std::function&lt;void(const EventType&amp;)&gt;, Connection*&gt;</a:t>
             </a:r>
             <a:r>
               <a:rPr lang="en-US" sz="1000" dirty="0" smtClean="0">
@@ -33791,39 +32164,7 @@
                   <a:schemeClr val="bg1"/>
                 </a:solidFill>
               </a:rPr>
-              <a:t>            </a:t>
-            </a:r>
-            <a:r>
-              <a:rPr lang="en-US" sz="1000" dirty="0" err="1">
-                <a:solidFill>
-                  <a:schemeClr val="bg1"/>
-                </a:solidFill>
-              </a:rPr>
-              <a:t>std</a:t>
-            </a:r>
-            <a:r>
-              <a:rPr lang="en-US" sz="1000" dirty="0">
-                <a:solidFill>
-                  <a:schemeClr val="bg1"/>
-                </a:solidFill>
-              </a:rPr>
-              <a:t>::list&lt;Link&gt;         </a:t>
-            </a:r>
-            <a:r>
-              <a:rPr lang="en-US" sz="1000" dirty="0" err="1">
-                <a:solidFill>
-                  <a:schemeClr val="bg1"/>
-                </a:solidFill>
-              </a:rPr>
-              <a:t>m_links</a:t>
-            </a:r>
-            <a:r>
-              <a:rPr lang="en-US" sz="1000" dirty="0">
-                <a:solidFill>
-                  <a:schemeClr val="bg1"/>
-                </a:solidFill>
-              </a:rPr>
-              <a:t>;</a:t>
+              <a:t>            std::list&lt;Link&gt;         m_links;</a:t>
             </a:r>
           </a:p>
         </p:txBody>
@@ -34019,12 +32360,8 @@
           </a:lstStyle>
           <a:p>
             <a:r>
-              <a:rPr lang="en-US" dirty="0" err="1" smtClean="0"/>
-              <a:t>std</a:t>
-            </a:r>
-            <a:r>
               <a:rPr lang="en-US" dirty="0" smtClean="0"/>
-              <a:t>::list&lt;&gt;</a:t>
+              <a:t>std::list&lt;&gt;</a:t>
             </a:r>
           </a:p>
           <a:p>
@@ -34908,39 +33245,7 @@
                   <a:schemeClr val="bg1"/>
                 </a:solidFill>
               </a:rPr>
-              <a:t>    template&lt;</a:t>
-            </a:r>
-            <a:r>
-              <a:rPr lang="en-US" sz="1000" dirty="0" err="1">
-                <a:solidFill>
-                  <a:schemeClr val="bg1"/>
-                </a:solidFill>
-              </a:rPr>
-              <a:t>typename</a:t>
-            </a:r>
-            <a:r>
-              <a:rPr lang="en-US" sz="1000" dirty="0">
-                <a:solidFill>
-                  <a:schemeClr val="bg1"/>
-                </a:solidFill>
-              </a:rPr>
-              <a:t> </a:t>
-            </a:r>
-            <a:r>
-              <a:rPr lang="en-US" sz="1000" dirty="0" err="1">
-                <a:solidFill>
-                  <a:schemeClr val="bg1"/>
-                </a:solidFill>
-              </a:rPr>
-              <a:t>EventType</a:t>
-            </a:r>
-            <a:r>
-              <a:rPr lang="en-US" sz="1000" dirty="0">
-                <a:solidFill>
-                  <a:schemeClr val="bg1"/>
-                </a:solidFill>
-              </a:rPr>
-              <a:t>&gt;</a:t>
+              <a:t>    template&lt;typename EventType&gt;</a:t>
             </a:r>
           </a:p>
           <a:p>
@@ -34950,103 +33255,7 @@
                   <a:schemeClr val="bg1"/>
                 </a:solidFill>
               </a:rPr>
-              <a:t>    Connection </a:t>
-            </a:r>
-            <a:r>
-              <a:rPr lang="en-US" sz="1000" dirty="0" err="1">
-                <a:solidFill>
-                  <a:schemeClr val="bg1"/>
-                </a:solidFill>
-              </a:rPr>
-              <a:t>BaseObservable</a:t>
-            </a:r>
-            <a:r>
-              <a:rPr lang="en-US" sz="1000" dirty="0">
-                <a:solidFill>
-                  <a:schemeClr val="bg1"/>
-                </a:solidFill>
-              </a:rPr>
-              <a:t>&lt;</a:t>
-            </a:r>
-            <a:r>
-              <a:rPr lang="en-US" sz="1000" dirty="0" err="1">
-                <a:solidFill>
-                  <a:schemeClr val="bg1"/>
-                </a:solidFill>
-              </a:rPr>
-              <a:t>EventType</a:t>
-            </a:r>
-            <a:r>
-              <a:rPr lang="en-US" sz="1000" dirty="0">
-                <a:solidFill>
-                  <a:schemeClr val="bg1"/>
-                </a:solidFill>
-              </a:rPr>
-              <a:t>&gt;::</a:t>
-            </a:r>
-            <a:r>
-              <a:rPr lang="en-US" sz="1000" dirty="0" err="1">
-                <a:solidFill>
-                  <a:schemeClr val="bg1"/>
-                </a:solidFill>
-              </a:rPr>
-              <a:t>AddObserver</a:t>
-            </a:r>
-            <a:r>
-              <a:rPr lang="en-US" sz="1000" dirty="0">
-                <a:solidFill>
-                  <a:schemeClr val="bg1"/>
-                </a:solidFill>
-              </a:rPr>
-              <a:t>(</a:t>
-            </a:r>
-            <a:r>
-              <a:rPr lang="en-US" sz="1000" dirty="0" err="1">
-                <a:solidFill>
-                  <a:schemeClr val="bg1"/>
-                </a:solidFill>
-              </a:rPr>
-              <a:t>std</a:t>
-            </a:r>
-            <a:r>
-              <a:rPr lang="en-US" sz="1000" dirty="0">
-                <a:solidFill>
-                  <a:schemeClr val="bg1"/>
-                </a:solidFill>
-              </a:rPr>
-              <a:t>::function&lt;void(</a:t>
-            </a:r>
-            <a:r>
-              <a:rPr lang="en-US" sz="1000" dirty="0" err="1">
-                <a:solidFill>
-                  <a:schemeClr val="bg1"/>
-                </a:solidFill>
-              </a:rPr>
-              <a:t>const</a:t>
-            </a:r>
-            <a:r>
-              <a:rPr lang="en-US" sz="1000" dirty="0">
-                <a:solidFill>
-                  <a:schemeClr val="bg1"/>
-                </a:solidFill>
-              </a:rPr>
-              <a:t> </a:t>
-            </a:r>
-            <a:r>
-              <a:rPr lang="en-US" sz="1000" dirty="0" err="1">
-                <a:solidFill>
-                  <a:schemeClr val="bg1"/>
-                </a:solidFill>
-              </a:rPr>
-              <a:t>EventType</a:t>
-            </a:r>
-            <a:r>
-              <a:rPr lang="en-US" sz="1000" dirty="0">
-                <a:solidFill>
-                  <a:schemeClr val="bg1"/>
-                </a:solidFill>
-              </a:rPr>
-              <a:t>&amp;)&gt; callback)</a:t>
+              <a:t>    Connection BaseObservable&lt;EventType&gt;::AddObserver(std::function&lt;void(const EventType&amp;)&gt; callback)</a:t>
             </a:r>
           </a:p>
           <a:p>
@@ -35066,39 +33275,7 @@
                   <a:schemeClr val="bg1"/>
                 </a:solidFill>
               </a:rPr>
-              <a:t>        </a:t>
-            </a:r>
-            <a:r>
-              <a:rPr lang="en-US" sz="1000" dirty="0" err="1">
-                <a:solidFill>
-                  <a:schemeClr val="bg1"/>
-                </a:solidFill>
-              </a:rPr>
-              <a:t>m_links.emplace_back</a:t>
-            </a:r>
-            <a:r>
-              <a:rPr lang="en-US" sz="1000" dirty="0">
-                <a:solidFill>
-                  <a:schemeClr val="bg1"/>
-                </a:solidFill>
-              </a:rPr>
-              <a:t>(callback, </a:t>
-            </a:r>
-            <a:r>
-              <a:rPr lang="en-US" sz="1000" dirty="0" err="1">
-                <a:solidFill>
-                  <a:schemeClr val="bg1"/>
-                </a:solidFill>
-              </a:rPr>
-              <a:t>nullptr</a:t>
-            </a:r>
-            <a:r>
-              <a:rPr lang="en-US" sz="1000" dirty="0">
-                <a:solidFill>
-                  <a:schemeClr val="bg1"/>
-                </a:solidFill>
-              </a:rPr>
-              <a:t>);</a:t>
+              <a:t>        m_links.emplace_back(callback, nullptr);</a:t>
             </a:r>
           </a:p>
           <a:p>
@@ -35108,55 +33285,7 @@
                   <a:schemeClr val="bg1"/>
                 </a:solidFill>
               </a:rPr>
-              <a:t>        auto iterator = </a:t>
-            </a:r>
-            <a:r>
-              <a:rPr lang="en-US" sz="1000" dirty="0" err="1">
-                <a:solidFill>
-                  <a:schemeClr val="bg1"/>
-                </a:solidFill>
-              </a:rPr>
-              <a:t>std</a:t>
-            </a:r>
-            <a:r>
-              <a:rPr lang="en-US" sz="1000" dirty="0">
-                <a:solidFill>
-                  <a:schemeClr val="bg1"/>
-                </a:solidFill>
-              </a:rPr>
-              <a:t>::</a:t>
-            </a:r>
-            <a:r>
-              <a:rPr lang="en-US" sz="1000" dirty="0" err="1">
-                <a:solidFill>
-                  <a:schemeClr val="bg1"/>
-                </a:solidFill>
-              </a:rPr>
-              <a:t>prev</a:t>
-            </a:r>
-            <a:r>
-              <a:rPr lang="en-US" sz="1000" dirty="0">
-                <a:solidFill>
-                  <a:schemeClr val="bg1"/>
-                </a:solidFill>
-              </a:rPr>
-              <a:t>(</a:t>
-            </a:r>
-            <a:r>
-              <a:rPr lang="en-US" sz="1000" dirty="0" err="1">
-                <a:solidFill>
-                  <a:schemeClr val="bg1"/>
-                </a:solidFill>
-              </a:rPr>
-              <a:t>m_links.end</a:t>
-            </a:r>
-            <a:r>
-              <a:rPr lang="en-US" sz="1000" dirty="0">
-                <a:solidFill>
-                  <a:schemeClr val="bg1"/>
-                </a:solidFill>
-              </a:rPr>
-              <a:t>());</a:t>
+              <a:t>        auto iterator = std::prev(m_links.end());</a:t>
             </a:r>
           </a:p>
           <a:p>
@@ -35213,23 +33342,7 @@
                   <a:schemeClr val="bg1"/>
                 </a:solidFill>
               </a:rPr>
-              <a:t>                </a:t>
-            </a:r>
-            <a:r>
-              <a:rPr lang="en-US" sz="1000" dirty="0" err="1">
-                <a:solidFill>
-                  <a:schemeClr val="bg1"/>
-                </a:solidFill>
-              </a:rPr>
-              <a:t>m_links.erase</a:t>
-            </a:r>
-            <a:r>
-              <a:rPr lang="en-US" sz="1000" dirty="0">
-                <a:solidFill>
-                  <a:schemeClr val="bg1"/>
-                </a:solidFill>
-              </a:rPr>
-              <a:t>(iterator);</a:t>
+              <a:t>                m_links.erase(iterator);</a:t>
             </a:r>
           </a:p>
           <a:p>
@@ -35316,39 +33429,7 @@
                   <a:schemeClr val="bg1"/>
                 </a:solidFill>
               </a:rPr>
-              <a:t>    template&lt;</a:t>
-            </a:r>
-            <a:r>
-              <a:rPr lang="en-US" sz="1000" dirty="0" err="1">
-                <a:solidFill>
-                  <a:schemeClr val="bg1"/>
-                </a:solidFill>
-              </a:rPr>
-              <a:t>typename</a:t>
-            </a:r>
-            <a:r>
-              <a:rPr lang="en-US" sz="1000" dirty="0">
-                <a:solidFill>
-                  <a:schemeClr val="bg1"/>
-                </a:solidFill>
-              </a:rPr>
-              <a:t> </a:t>
-            </a:r>
-            <a:r>
-              <a:rPr lang="en-US" sz="1000" dirty="0" err="1">
-                <a:solidFill>
-                  <a:schemeClr val="bg1"/>
-                </a:solidFill>
-              </a:rPr>
-              <a:t>EventType</a:t>
-            </a:r>
-            <a:r>
-              <a:rPr lang="en-US" sz="1000" dirty="0">
-                <a:solidFill>
-                  <a:schemeClr val="bg1"/>
-                </a:solidFill>
-              </a:rPr>
-              <a:t>&gt;</a:t>
+              <a:t>    template&lt;typename EventType&gt;</a:t>
             </a:r>
           </a:p>
           <a:p>
@@ -35358,39 +33439,7 @@
                   <a:schemeClr val="bg1"/>
                 </a:solidFill>
               </a:rPr>
-              <a:t>    template&lt;</a:t>
-            </a:r>
-            <a:r>
-              <a:rPr lang="en-US" sz="1000" dirty="0" err="1">
-                <a:solidFill>
-                  <a:schemeClr val="bg1"/>
-                </a:solidFill>
-              </a:rPr>
-              <a:t>typename</a:t>
-            </a:r>
-            <a:r>
-              <a:rPr lang="en-US" sz="1000" dirty="0">
-                <a:solidFill>
-                  <a:schemeClr val="bg1"/>
-                </a:solidFill>
-              </a:rPr>
-              <a:t> </a:t>
-            </a:r>
-            <a:r>
-              <a:rPr lang="en-US" sz="1000" dirty="0" err="1">
-                <a:solidFill>
-                  <a:schemeClr val="bg1"/>
-                </a:solidFill>
-              </a:rPr>
-              <a:t>ObserverType</a:t>
-            </a:r>
-            <a:r>
-              <a:rPr lang="en-US" sz="1000" dirty="0">
-                <a:solidFill>
-                  <a:schemeClr val="bg1"/>
-                </a:solidFill>
-              </a:rPr>
-              <a:t>&gt;</a:t>
+              <a:t>    template&lt;typename ObserverType&gt;</a:t>
             </a:r>
           </a:p>
           <a:p>
@@ -35400,119 +33449,7 @@
                   <a:schemeClr val="bg1"/>
                 </a:solidFill>
               </a:rPr>
-              <a:t>    Connection </a:t>
-            </a:r>
-            <a:r>
-              <a:rPr lang="en-US" sz="1000" dirty="0" err="1">
-                <a:solidFill>
-                  <a:schemeClr val="bg1"/>
-                </a:solidFill>
-              </a:rPr>
-              <a:t>BaseObservable</a:t>
-            </a:r>
-            <a:r>
-              <a:rPr lang="en-US" sz="1000" dirty="0">
-                <a:solidFill>
-                  <a:schemeClr val="bg1"/>
-                </a:solidFill>
-              </a:rPr>
-              <a:t>&lt;</a:t>
-            </a:r>
-            <a:r>
-              <a:rPr lang="en-US" sz="1000" dirty="0" err="1">
-                <a:solidFill>
-                  <a:schemeClr val="bg1"/>
-                </a:solidFill>
-              </a:rPr>
-              <a:t>EventType</a:t>
-            </a:r>
-            <a:r>
-              <a:rPr lang="en-US" sz="1000" dirty="0">
-                <a:solidFill>
-                  <a:schemeClr val="bg1"/>
-                </a:solidFill>
-              </a:rPr>
-              <a:t>&gt;::</a:t>
-            </a:r>
-            <a:r>
-              <a:rPr lang="en-US" sz="1000" dirty="0" err="1">
-                <a:solidFill>
-                  <a:schemeClr val="bg1"/>
-                </a:solidFill>
-              </a:rPr>
-              <a:t>AddObserver</a:t>
-            </a:r>
-            <a:r>
-              <a:rPr lang="en-US" sz="1000" dirty="0">
-                <a:solidFill>
-                  <a:schemeClr val="bg1"/>
-                </a:solidFill>
-              </a:rPr>
-              <a:t>(</a:t>
-            </a:r>
-            <a:r>
-              <a:rPr lang="en-US" sz="1000" dirty="0" err="1">
-                <a:solidFill>
-                  <a:schemeClr val="bg1"/>
-                </a:solidFill>
-              </a:rPr>
-              <a:t>ObserverType</a:t>
-            </a:r>
-            <a:r>
-              <a:rPr lang="en-US" sz="1000" dirty="0">
-                <a:solidFill>
-                  <a:schemeClr val="bg1"/>
-                </a:solidFill>
-              </a:rPr>
-              <a:t>* object, void (</a:t>
-            </a:r>
-            <a:r>
-              <a:rPr lang="en-US" sz="1000" dirty="0" err="1">
-                <a:solidFill>
-                  <a:schemeClr val="bg1"/>
-                </a:solidFill>
-              </a:rPr>
-              <a:t>ObserverType</a:t>
-            </a:r>
-            <a:r>
-              <a:rPr lang="en-US" sz="1000" dirty="0">
-                <a:solidFill>
-                  <a:schemeClr val="bg1"/>
-                </a:solidFill>
-              </a:rPr>
-              <a:t>::*callback)(</a:t>
-            </a:r>
-            <a:r>
-              <a:rPr lang="en-US" sz="1000" dirty="0" err="1">
-                <a:solidFill>
-                  <a:schemeClr val="bg1"/>
-                </a:solidFill>
-              </a:rPr>
-              <a:t>const</a:t>
-            </a:r>
-            <a:r>
-              <a:rPr lang="en-US" sz="1000" dirty="0">
-                <a:solidFill>
-                  <a:schemeClr val="bg1"/>
-                </a:solidFill>
-              </a:rPr>
-              <a:t> </a:t>
-            </a:r>
-            <a:r>
-              <a:rPr lang="en-US" sz="1000" dirty="0" err="1">
-                <a:solidFill>
-                  <a:schemeClr val="bg1"/>
-                </a:solidFill>
-              </a:rPr>
-              <a:t>EventType</a:t>
-            </a:r>
-            <a:r>
-              <a:rPr lang="en-US" sz="1000" dirty="0">
-                <a:solidFill>
-                  <a:schemeClr val="bg1"/>
-                </a:solidFill>
-              </a:rPr>
-              <a:t>&amp;))</a:t>
+              <a:t>    Connection BaseObservable&lt;EventType&gt;::AddObserver(ObserverType* object, void (ObserverType::*callback)(const EventType&amp;))</a:t>
             </a:r>
           </a:p>
           <a:p>
@@ -35532,55 +33469,7 @@
                   <a:schemeClr val="bg1"/>
                 </a:solidFill>
               </a:rPr>
-              <a:t>        return </a:t>
-            </a:r>
-            <a:r>
-              <a:rPr lang="en-US" sz="1000" dirty="0" err="1">
-                <a:solidFill>
-                  <a:schemeClr val="bg1"/>
-                </a:solidFill>
-              </a:rPr>
-              <a:t>AddObserver</a:t>
-            </a:r>
-            <a:r>
-              <a:rPr lang="en-US" sz="1000" dirty="0">
-                <a:solidFill>
-                  <a:schemeClr val="bg1"/>
-                </a:solidFill>
-              </a:rPr>
-              <a:t>([object, callback](</a:t>
-            </a:r>
-            <a:r>
-              <a:rPr lang="en-US" sz="1000" dirty="0" err="1">
-                <a:solidFill>
-                  <a:schemeClr val="bg1"/>
-                </a:solidFill>
-              </a:rPr>
-              <a:t>const</a:t>
-            </a:r>
-            <a:r>
-              <a:rPr lang="en-US" sz="1000" dirty="0">
-                <a:solidFill>
-                  <a:schemeClr val="bg1"/>
-                </a:solidFill>
-              </a:rPr>
-              <a:t> </a:t>
-            </a:r>
-            <a:r>
-              <a:rPr lang="en-US" sz="1000" dirty="0" err="1">
-                <a:solidFill>
-                  <a:schemeClr val="bg1"/>
-                </a:solidFill>
-              </a:rPr>
-              <a:t>EventType</a:t>
-            </a:r>
-            <a:r>
-              <a:rPr lang="en-US" sz="1000" dirty="0">
-                <a:solidFill>
-                  <a:schemeClr val="bg1"/>
-                </a:solidFill>
-              </a:rPr>
-              <a:t>&amp; event)</a:t>
+              <a:t>        return AddObserver([object, callback](const EventType&amp; event)</a:t>
             </a:r>
           </a:p>
           <a:p>
